--- a/sitemap.pptx
+++ b/sitemap.pptx
@@ -107,6 +107,11 @@
       </a:defRPr>
     </a:lvl9pPr>
   </p:defaultTextStyle>
+  <p:extLst>
+    <p:ext uri="{EFAFB233-063F-42B5-8137-9DF3F51BA10A}">
+      <p15:sldGuideLst xmlns:p15="http://schemas.microsoft.com/office/powerpoint/2012/main"/>
+    </p:ext>
+  </p:extLst>
 </p:presentation>
 </file>
 
@@ -2636,94 +2641,6 @@
         </dgm:presLayoutVars>
       </dgm:prSet>
       <dgm:spPr/>
-    </dgm:pt>
-    <dgm:pt modelId="{B389A499-AFBA-46BD-B948-A5CD76411887}" type="pres">
-      <dgm:prSet presAssocID="{A3D072FF-FBEE-4B1C-AC7F-A6716660B028}" presName="hierRoot1" presStyleCnt="0">
-        <dgm:presLayoutVars>
-          <dgm:hierBranch val="init"/>
-        </dgm:presLayoutVars>
-      </dgm:prSet>
-      <dgm:spPr/>
-    </dgm:pt>
-    <dgm:pt modelId="{3D6D08DE-19D1-45A8-B747-BC8E567690EC}" type="pres">
-      <dgm:prSet presAssocID="{A3D072FF-FBEE-4B1C-AC7F-A6716660B028}" presName="rootComposite1" presStyleCnt="0"/>
-      <dgm:spPr/>
-    </dgm:pt>
-    <dgm:pt modelId="{549E180E-A8EB-40AB-9DFF-6C98A55CA316}" type="pres">
-      <dgm:prSet presAssocID="{A3D072FF-FBEE-4B1C-AC7F-A6716660B028}" presName="rootText1" presStyleLbl="node0" presStyleIdx="0" presStyleCnt="1">
-        <dgm:presLayoutVars>
-          <dgm:chPref val="3"/>
-        </dgm:presLayoutVars>
-      </dgm:prSet>
-      <dgm:spPr/>
-    </dgm:pt>
-    <dgm:pt modelId="{AF82EC2C-D239-4E75-BD0C-6211C6017DF5}" type="pres">
-      <dgm:prSet presAssocID="{A3D072FF-FBEE-4B1C-AC7F-A6716660B028}" presName="rootConnector1" presStyleLbl="node1" presStyleIdx="0" presStyleCnt="0"/>
-      <dgm:spPr/>
-    </dgm:pt>
-    <dgm:pt modelId="{E96EF260-827D-4181-BF8F-D2D9980143C7}" type="pres">
-      <dgm:prSet presAssocID="{A3D072FF-FBEE-4B1C-AC7F-A6716660B028}" presName="hierChild2" presStyleCnt="0"/>
-      <dgm:spPr/>
-    </dgm:pt>
-    <dgm:pt modelId="{4A05FB3B-96AB-4154-BC10-D6328AB687CB}" type="pres">
-      <dgm:prSet presAssocID="{4BA959DB-CF1A-4A06-B324-868BE66E1DD4}" presName="Name37" presStyleLbl="parChTrans1D2" presStyleIdx="0" presStyleCnt="4"/>
-      <dgm:spPr/>
-    </dgm:pt>
-    <dgm:pt modelId="{EC216B5C-F53B-4D99-8CF0-16064D6F2273}" type="pres">
-      <dgm:prSet presAssocID="{914DEB1E-C422-4A34-9799-83E3A6E48CD8}" presName="hierRoot2" presStyleCnt="0">
-        <dgm:presLayoutVars>
-          <dgm:hierBranch val="init"/>
-        </dgm:presLayoutVars>
-      </dgm:prSet>
-      <dgm:spPr/>
-    </dgm:pt>
-    <dgm:pt modelId="{B220B196-CBF1-4D05-A3FB-1103F035FF25}" type="pres">
-      <dgm:prSet presAssocID="{914DEB1E-C422-4A34-9799-83E3A6E48CD8}" presName="rootComposite" presStyleCnt="0"/>
-      <dgm:spPr/>
-    </dgm:pt>
-    <dgm:pt modelId="{865ED5CC-E8FD-49AF-9342-EF9C11B5B971}" type="pres">
-      <dgm:prSet presAssocID="{914DEB1E-C422-4A34-9799-83E3A6E48CD8}" presName="rootText" presStyleLbl="node2" presStyleIdx="0" presStyleCnt="4">
-        <dgm:presLayoutVars>
-          <dgm:chPref val="3"/>
-        </dgm:presLayoutVars>
-      </dgm:prSet>
-      <dgm:spPr/>
-    </dgm:pt>
-    <dgm:pt modelId="{3C6EF7D9-1AC8-4571-B623-175634A956DE}" type="pres">
-      <dgm:prSet presAssocID="{914DEB1E-C422-4A34-9799-83E3A6E48CD8}" presName="rootConnector" presStyleLbl="node2" presStyleIdx="0" presStyleCnt="4"/>
-      <dgm:spPr/>
-    </dgm:pt>
-    <dgm:pt modelId="{9CEFC709-AE61-41CE-80F8-5AA33DB31431}" type="pres">
-      <dgm:prSet presAssocID="{914DEB1E-C422-4A34-9799-83E3A6E48CD8}" presName="hierChild4" presStyleCnt="0"/>
-      <dgm:spPr/>
-    </dgm:pt>
-    <dgm:pt modelId="{A24E931B-5334-4544-8330-71637C3CE07B}" type="pres">
-      <dgm:prSet presAssocID="{914DEB1E-C422-4A34-9799-83E3A6E48CD8}" presName="hierChild5" presStyleCnt="0"/>
-      <dgm:spPr/>
-    </dgm:pt>
-    <dgm:pt modelId="{C57C79FD-2C6A-47A9-9A9D-524DC7E97009}" type="pres">
-      <dgm:prSet presAssocID="{7F25B1FC-E1C7-48DB-AF48-71E1565006DC}" presName="Name37" presStyleLbl="parChTrans1D2" presStyleIdx="1" presStyleCnt="4"/>
-      <dgm:spPr/>
-    </dgm:pt>
-    <dgm:pt modelId="{FC7D55D0-ACA0-458C-825F-514D9E5180E9}" type="pres">
-      <dgm:prSet presAssocID="{90DADD5D-79F4-4C91-A6D8-92D9FEC9E262}" presName="hierRoot2" presStyleCnt="0">
-        <dgm:presLayoutVars>
-          <dgm:hierBranch val="init"/>
-        </dgm:presLayoutVars>
-      </dgm:prSet>
-      <dgm:spPr/>
-    </dgm:pt>
-    <dgm:pt modelId="{3FD8D0E8-9637-4E07-8EDB-B511F14ACF3E}" type="pres">
-      <dgm:prSet presAssocID="{90DADD5D-79F4-4C91-A6D8-92D9FEC9E262}" presName="rootComposite" presStyleCnt="0"/>
-      <dgm:spPr/>
-    </dgm:pt>
-    <dgm:pt modelId="{33591E9D-67AB-4118-AA2D-F0213178199D}" type="pres">
-      <dgm:prSet presAssocID="{90DADD5D-79F4-4C91-A6D8-92D9FEC9E262}" presName="rootText" presStyleLbl="node2" presStyleIdx="1" presStyleCnt="4">
-        <dgm:presLayoutVars>
-          <dgm:chPref val="3"/>
-        </dgm:presLayoutVars>
-      </dgm:prSet>
-      <dgm:spPr/>
       <dgm:t>
         <a:bodyPr/>
         <a:lstStyle/>
@@ -2732,32 +2649,20 @@
         </a:p>
       </dgm:t>
     </dgm:pt>
-    <dgm:pt modelId="{63F994A9-B60B-4838-86B0-9317226C21C7}" type="pres">
-      <dgm:prSet presAssocID="{90DADD5D-79F4-4C91-A6D8-92D9FEC9E262}" presName="rootConnector" presStyleLbl="node2" presStyleIdx="1" presStyleCnt="4"/>
-      <dgm:spPr/>
-    </dgm:pt>
-    <dgm:pt modelId="{442A1872-5C42-4004-8A07-696A77BFE07E}" type="pres">
-      <dgm:prSet presAssocID="{90DADD5D-79F4-4C91-A6D8-92D9FEC9E262}" presName="hierChild4" presStyleCnt="0"/>
-      <dgm:spPr/>
-    </dgm:pt>
-    <dgm:pt modelId="{82471D9B-502E-42D5-98E2-4673DC357930}" type="pres">
-      <dgm:prSet presAssocID="{38E649D9-1880-4111-ACA6-9061B09BF125}" presName="Name37" presStyleLbl="parChTrans1D3" presStyleIdx="0" presStyleCnt="1"/>
-      <dgm:spPr/>
-    </dgm:pt>
-    <dgm:pt modelId="{E58F5A4B-F7BC-4512-929F-FF8BC494903B}" type="pres">
-      <dgm:prSet presAssocID="{36CCE117-9739-411D-BB7E-C2B7DD2789B9}" presName="hierRoot2" presStyleCnt="0">
+    <dgm:pt modelId="{B389A499-AFBA-46BD-B948-A5CD76411887}" type="pres">
+      <dgm:prSet presAssocID="{A3D072FF-FBEE-4B1C-AC7F-A6716660B028}" presName="hierRoot1" presStyleCnt="0">
         <dgm:presLayoutVars>
           <dgm:hierBranch val="init"/>
         </dgm:presLayoutVars>
       </dgm:prSet>
       <dgm:spPr/>
     </dgm:pt>
-    <dgm:pt modelId="{EB8029E9-F8B3-4C0E-BA52-64B0D221FEA3}" type="pres">
-      <dgm:prSet presAssocID="{36CCE117-9739-411D-BB7E-C2B7DD2789B9}" presName="rootComposite" presStyleCnt="0"/>
-      <dgm:spPr/>
-    </dgm:pt>
-    <dgm:pt modelId="{5ACDC569-858C-497F-A547-69F95FB669BF}" type="pres">
-      <dgm:prSet presAssocID="{36CCE117-9739-411D-BB7E-C2B7DD2789B9}" presName="rootText" presStyleLbl="node3" presStyleIdx="0" presStyleCnt="1">
+    <dgm:pt modelId="{3D6D08DE-19D1-45A8-B747-BC8E567690EC}" type="pres">
+      <dgm:prSet presAssocID="{A3D072FF-FBEE-4B1C-AC7F-A6716660B028}" presName="rootComposite1" presStyleCnt="0"/>
+      <dgm:spPr/>
+    </dgm:pt>
+    <dgm:pt modelId="{549E180E-A8EB-40AB-9DFF-6C98A55CA316}" type="pres">
+      <dgm:prSet presAssocID="{A3D072FF-FBEE-4B1C-AC7F-A6716660B028}" presName="rootText1" presStyleLbl="node0" presStyleIdx="0" presStyleCnt="1">
         <dgm:presLayoutVars>
           <dgm:chPref val="3"/>
         </dgm:presLayoutVars>
@@ -2771,36 +2676,8 @@
         </a:p>
       </dgm:t>
     </dgm:pt>
-    <dgm:pt modelId="{BC8C34BC-6CFC-4C13-BFFE-79144F546371}" type="pres">
-      <dgm:prSet presAssocID="{36CCE117-9739-411D-BB7E-C2B7DD2789B9}" presName="rootConnector" presStyleLbl="node3" presStyleIdx="0" presStyleCnt="1"/>
-      <dgm:spPr/>
-    </dgm:pt>
-    <dgm:pt modelId="{1835B07D-A464-412D-961B-D39AAE1CC427}" type="pres">
-      <dgm:prSet presAssocID="{36CCE117-9739-411D-BB7E-C2B7DD2789B9}" presName="hierChild4" presStyleCnt="0"/>
-      <dgm:spPr/>
-    </dgm:pt>
-    <dgm:pt modelId="{A761579C-69B8-4717-AE55-AE00CB4CA0B1}" type="pres">
-      <dgm:prSet presAssocID="{5AB62D16-106A-4891-8D76-CBD7D68C0A2A}" presName="Name37" presStyleLbl="parChTrans1D4" presStyleIdx="0" presStyleCnt="1"/>
-      <dgm:spPr/>
-    </dgm:pt>
-    <dgm:pt modelId="{EB21159B-5494-459D-B59E-F03C83754C71}" type="pres">
-      <dgm:prSet presAssocID="{7854C57D-DDDA-42A5-BAD1-7E80AE5A14A4}" presName="hierRoot2" presStyleCnt="0">
-        <dgm:presLayoutVars>
-          <dgm:hierBranch val="init"/>
-        </dgm:presLayoutVars>
-      </dgm:prSet>
-      <dgm:spPr/>
-    </dgm:pt>
-    <dgm:pt modelId="{D1E2F288-0A8E-45D2-AB13-D0B332094D55}" type="pres">
-      <dgm:prSet presAssocID="{7854C57D-DDDA-42A5-BAD1-7E80AE5A14A4}" presName="rootComposite" presStyleCnt="0"/>
-      <dgm:spPr/>
-    </dgm:pt>
-    <dgm:pt modelId="{6E42656A-E18A-4A6D-AA07-800971A9EE58}" type="pres">
-      <dgm:prSet presAssocID="{7854C57D-DDDA-42A5-BAD1-7E80AE5A14A4}" presName="rootText" presStyleLbl="node4" presStyleIdx="0" presStyleCnt="1">
-        <dgm:presLayoutVars>
-          <dgm:chPref val="3"/>
-        </dgm:presLayoutVars>
-      </dgm:prSet>
+    <dgm:pt modelId="{AF82EC2C-D239-4E75-BD0C-6211C6017DF5}" type="pres">
+      <dgm:prSet presAssocID="{A3D072FF-FBEE-4B1C-AC7F-A6716660B028}" presName="rootConnector1" presStyleLbl="node1" presStyleIdx="0" presStyleCnt="0"/>
       <dgm:spPr/>
       <dgm:t>
         <a:bodyPr/>
@@ -2810,84 +2687,12 @@
         </a:p>
       </dgm:t>
     </dgm:pt>
-    <dgm:pt modelId="{7DB2FAB1-8A7C-4702-A8EE-D7BF6B4B953F}" type="pres">
-      <dgm:prSet presAssocID="{7854C57D-DDDA-42A5-BAD1-7E80AE5A14A4}" presName="rootConnector" presStyleLbl="node4" presStyleIdx="0" presStyleCnt="1"/>
-      <dgm:spPr/>
-    </dgm:pt>
-    <dgm:pt modelId="{16E1261C-395B-4A86-8AD5-3E915FB50C4B}" type="pres">
-      <dgm:prSet presAssocID="{7854C57D-DDDA-42A5-BAD1-7E80AE5A14A4}" presName="hierChild4" presStyleCnt="0"/>
-      <dgm:spPr/>
-    </dgm:pt>
-    <dgm:pt modelId="{9F91F9CE-C8DB-4066-AF2C-B61D412FC1FF}" type="pres">
-      <dgm:prSet presAssocID="{7854C57D-DDDA-42A5-BAD1-7E80AE5A14A4}" presName="hierChild5" presStyleCnt="0"/>
-      <dgm:spPr/>
-    </dgm:pt>
-    <dgm:pt modelId="{34EF6A1D-B75B-47FC-95D2-E2070C3C4930}" type="pres">
-      <dgm:prSet presAssocID="{36CCE117-9739-411D-BB7E-C2B7DD2789B9}" presName="hierChild5" presStyleCnt="0"/>
-      <dgm:spPr/>
-    </dgm:pt>
-    <dgm:pt modelId="{7C7E2168-9F3D-4999-ADE7-41281EF84151}" type="pres">
-      <dgm:prSet presAssocID="{90DADD5D-79F4-4C91-A6D8-92D9FEC9E262}" presName="hierChild5" presStyleCnt="0"/>
-      <dgm:spPr/>
-    </dgm:pt>
-    <dgm:pt modelId="{37844BA7-A28A-4A32-A1F3-C4DF2C9E6843}" type="pres">
-      <dgm:prSet presAssocID="{C126A7CA-618C-4960-9811-38884DAF038F}" presName="Name37" presStyleLbl="parChTrans1D2" presStyleIdx="2" presStyleCnt="4"/>
-      <dgm:spPr/>
-    </dgm:pt>
-    <dgm:pt modelId="{614AEB64-9BCC-4443-9CE7-869A977A32C0}" type="pres">
-      <dgm:prSet presAssocID="{A8A1086F-C6D6-4729-89C0-1455EAF52B19}" presName="hierRoot2" presStyleCnt="0">
-        <dgm:presLayoutVars>
-          <dgm:hierBranch val="init"/>
-        </dgm:presLayoutVars>
-      </dgm:prSet>
-      <dgm:spPr/>
-    </dgm:pt>
-    <dgm:pt modelId="{EB898CAE-58A8-4960-8FEC-5FB2D5819632}" type="pres">
-      <dgm:prSet presAssocID="{A8A1086F-C6D6-4729-89C0-1455EAF52B19}" presName="rootComposite" presStyleCnt="0"/>
-      <dgm:spPr/>
-    </dgm:pt>
-    <dgm:pt modelId="{E73E89B6-A30D-42B4-93B9-9A44E725C651}" type="pres">
-      <dgm:prSet presAssocID="{A8A1086F-C6D6-4729-89C0-1455EAF52B19}" presName="rootText" presStyleLbl="node2" presStyleIdx="2" presStyleCnt="4">
-        <dgm:presLayoutVars>
-          <dgm:chPref val="3"/>
-        </dgm:presLayoutVars>
-      </dgm:prSet>
-      <dgm:spPr/>
-    </dgm:pt>
-    <dgm:pt modelId="{113CC640-A9FE-4496-9F75-39AE3EC748BD}" type="pres">
-      <dgm:prSet presAssocID="{A8A1086F-C6D6-4729-89C0-1455EAF52B19}" presName="rootConnector" presStyleLbl="node2" presStyleIdx="2" presStyleCnt="4"/>
-      <dgm:spPr/>
-    </dgm:pt>
-    <dgm:pt modelId="{29E87534-0F4E-4091-B240-DC39C7BC4D36}" type="pres">
-      <dgm:prSet presAssocID="{A8A1086F-C6D6-4729-89C0-1455EAF52B19}" presName="hierChild4" presStyleCnt="0"/>
-      <dgm:spPr/>
-    </dgm:pt>
-    <dgm:pt modelId="{D3AB4B01-85A8-4407-903B-DF7A625D4242}" type="pres">
-      <dgm:prSet presAssocID="{A8A1086F-C6D6-4729-89C0-1455EAF52B19}" presName="hierChild5" presStyleCnt="0"/>
-      <dgm:spPr/>
-    </dgm:pt>
-    <dgm:pt modelId="{6ACC1458-EDF1-4AA3-B2B7-03FECF5079C6}" type="pres">
-      <dgm:prSet presAssocID="{2406E5F9-3801-4EE4-9EDD-EB04A4892A1D}" presName="Name37" presStyleLbl="parChTrans1D2" presStyleIdx="3" presStyleCnt="4"/>
-      <dgm:spPr/>
-    </dgm:pt>
-    <dgm:pt modelId="{BBF8D8F3-7211-4A34-808C-FCF20031F3C8}" type="pres">
-      <dgm:prSet presAssocID="{E00331C4-3455-4D66-A38E-B4D6B4AD450E}" presName="hierRoot2" presStyleCnt="0">
-        <dgm:presLayoutVars>
-          <dgm:hierBranch val="init"/>
-        </dgm:presLayoutVars>
-      </dgm:prSet>
-      <dgm:spPr/>
-    </dgm:pt>
-    <dgm:pt modelId="{36D4D889-0EC4-44AF-A2AB-2FE6EC5E627B}" type="pres">
-      <dgm:prSet presAssocID="{E00331C4-3455-4D66-A38E-B4D6B4AD450E}" presName="rootComposite" presStyleCnt="0"/>
-      <dgm:spPr/>
-    </dgm:pt>
-    <dgm:pt modelId="{E8D2C1FA-320B-401C-A4D0-A339A235B9BA}" type="pres">
-      <dgm:prSet presAssocID="{E00331C4-3455-4D66-A38E-B4D6B4AD450E}" presName="rootText" presStyleLbl="node2" presStyleIdx="3" presStyleCnt="4">
-        <dgm:presLayoutVars>
-          <dgm:chPref val="3"/>
-        </dgm:presLayoutVars>
-      </dgm:prSet>
+    <dgm:pt modelId="{E96EF260-827D-4181-BF8F-D2D9980143C7}" type="pres">
+      <dgm:prSet presAssocID="{A3D072FF-FBEE-4B1C-AC7F-A6716660B028}" presName="hierChild2" presStyleCnt="0"/>
+      <dgm:spPr/>
+    </dgm:pt>
+    <dgm:pt modelId="{4A05FB3B-96AB-4154-BC10-D6328AB687CB}" type="pres">
+      <dgm:prSet presAssocID="{4BA959DB-CF1A-4A06-B324-868BE66E1DD4}" presName="Name37" presStyleLbl="parChTrans1D2" presStyleIdx="0" presStyleCnt="4"/>
       <dgm:spPr/>
       <dgm:t>
         <a:bodyPr/>
@@ -2897,9 +2702,328 @@
         </a:p>
       </dgm:t>
     </dgm:pt>
+    <dgm:pt modelId="{EC216B5C-F53B-4D99-8CF0-16064D6F2273}" type="pres">
+      <dgm:prSet presAssocID="{914DEB1E-C422-4A34-9799-83E3A6E48CD8}" presName="hierRoot2" presStyleCnt="0">
+        <dgm:presLayoutVars>
+          <dgm:hierBranch val="init"/>
+        </dgm:presLayoutVars>
+      </dgm:prSet>
+      <dgm:spPr/>
+    </dgm:pt>
+    <dgm:pt modelId="{B220B196-CBF1-4D05-A3FB-1103F035FF25}" type="pres">
+      <dgm:prSet presAssocID="{914DEB1E-C422-4A34-9799-83E3A6E48CD8}" presName="rootComposite" presStyleCnt="0"/>
+      <dgm:spPr/>
+    </dgm:pt>
+    <dgm:pt modelId="{865ED5CC-E8FD-49AF-9342-EF9C11B5B971}" type="pres">
+      <dgm:prSet presAssocID="{914DEB1E-C422-4A34-9799-83E3A6E48CD8}" presName="rootText" presStyleLbl="node2" presStyleIdx="0" presStyleCnt="4">
+        <dgm:presLayoutVars>
+          <dgm:chPref val="3"/>
+        </dgm:presLayoutVars>
+      </dgm:prSet>
+      <dgm:spPr/>
+      <dgm:t>
+        <a:bodyPr/>
+        <a:lstStyle/>
+        <a:p>
+          <a:endParaRPr lang="pt-BR"/>
+        </a:p>
+      </dgm:t>
+    </dgm:pt>
+    <dgm:pt modelId="{3C6EF7D9-1AC8-4571-B623-175634A956DE}" type="pres">
+      <dgm:prSet presAssocID="{914DEB1E-C422-4A34-9799-83E3A6E48CD8}" presName="rootConnector" presStyleLbl="node2" presStyleIdx="0" presStyleCnt="4"/>
+      <dgm:spPr/>
+      <dgm:t>
+        <a:bodyPr/>
+        <a:lstStyle/>
+        <a:p>
+          <a:endParaRPr lang="pt-BR"/>
+        </a:p>
+      </dgm:t>
+    </dgm:pt>
+    <dgm:pt modelId="{9CEFC709-AE61-41CE-80F8-5AA33DB31431}" type="pres">
+      <dgm:prSet presAssocID="{914DEB1E-C422-4A34-9799-83E3A6E48CD8}" presName="hierChild4" presStyleCnt="0"/>
+      <dgm:spPr/>
+    </dgm:pt>
+    <dgm:pt modelId="{A24E931B-5334-4544-8330-71637C3CE07B}" type="pres">
+      <dgm:prSet presAssocID="{914DEB1E-C422-4A34-9799-83E3A6E48CD8}" presName="hierChild5" presStyleCnt="0"/>
+      <dgm:spPr/>
+    </dgm:pt>
+    <dgm:pt modelId="{C57C79FD-2C6A-47A9-9A9D-524DC7E97009}" type="pres">
+      <dgm:prSet presAssocID="{7F25B1FC-E1C7-48DB-AF48-71E1565006DC}" presName="Name37" presStyleLbl="parChTrans1D2" presStyleIdx="1" presStyleCnt="4"/>
+      <dgm:spPr/>
+      <dgm:t>
+        <a:bodyPr/>
+        <a:lstStyle/>
+        <a:p>
+          <a:endParaRPr lang="pt-BR"/>
+        </a:p>
+      </dgm:t>
+    </dgm:pt>
+    <dgm:pt modelId="{FC7D55D0-ACA0-458C-825F-514D9E5180E9}" type="pres">
+      <dgm:prSet presAssocID="{90DADD5D-79F4-4C91-A6D8-92D9FEC9E262}" presName="hierRoot2" presStyleCnt="0">
+        <dgm:presLayoutVars>
+          <dgm:hierBranch val="init"/>
+        </dgm:presLayoutVars>
+      </dgm:prSet>
+      <dgm:spPr/>
+    </dgm:pt>
+    <dgm:pt modelId="{3FD8D0E8-9637-4E07-8EDB-B511F14ACF3E}" type="pres">
+      <dgm:prSet presAssocID="{90DADD5D-79F4-4C91-A6D8-92D9FEC9E262}" presName="rootComposite" presStyleCnt="0"/>
+      <dgm:spPr/>
+    </dgm:pt>
+    <dgm:pt modelId="{33591E9D-67AB-4118-AA2D-F0213178199D}" type="pres">
+      <dgm:prSet presAssocID="{90DADD5D-79F4-4C91-A6D8-92D9FEC9E262}" presName="rootText" presStyleLbl="node2" presStyleIdx="1" presStyleCnt="4">
+        <dgm:presLayoutVars>
+          <dgm:chPref val="3"/>
+        </dgm:presLayoutVars>
+      </dgm:prSet>
+      <dgm:spPr/>
+      <dgm:t>
+        <a:bodyPr/>
+        <a:lstStyle/>
+        <a:p>
+          <a:endParaRPr lang="pt-BR"/>
+        </a:p>
+      </dgm:t>
+    </dgm:pt>
+    <dgm:pt modelId="{63F994A9-B60B-4838-86B0-9317226C21C7}" type="pres">
+      <dgm:prSet presAssocID="{90DADD5D-79F4-4C91-A6D8-92D9FEC9E262}" presName="rootConnector" presStyleLbl="node2" presStyleIdx="1" presStyleCnt="4"/>
+      <dgm:spPr/>
+      <dgm:t>
+        <a:bodyPr/>
+        <a:lstStyle/>
+        <a:p>
+          <a:endParaRPr lang="pt-BR"/>
+        </a:p>
+      </dgm:t>
+    </dgm:pt>
+    <dgm:pt modelId="{442A1872-5C42-4004-8A07-696A77BFE07E}" type="pres">
+      <dgm:prSet presAssocID="{90DADD5D-79F4-4C91-A6D8-92D9FEC9E262}" presName="hierChild4" presStyleCnt="0"/>
+      <dgm:spPr/>
+    </dgm:pt>
+    <dgm:pt modelId="{82471D9B-502E-42D5-98E2-4673DC357930}" type="pres">
+      <dgm:prSet presAssocID="{38E649D9-1880-4111-ACA6-9061B09BF125}" presName="Name37" presStyleLbl="parChTrans1D3" presStyleIdx="0" presStyleCnt="1"/>
+      <dgm:spPr/>
+      <dgm:t>
+        <a:bodyPr/>
+        <a:lstStyle/>
+        <a:p>
+          <a:endParaRPr lang="pt-BR"/>
+        </a:p>
+      </dgm:t>
+    </dgm:pt>
+    <dgm:pt modelId="{E58F5A4B-F7BC-4512-929F-FF8BC494903B}" type="pres">
+      <dgm:prSet presAssocID="{36CCE117-9739-411D-BB7E-C2B7DD2789B9}" presName="hierRoot2" presStyleCnt="0">
+        <dgm:presLayoutVars>
+          <dgm:hierBranch val="init"/>
+        </dgm:presLayoutVars>
+      </dgm:prSet>
+      <dgm:spPr/>
+    </dgm:pt>
+    <dgm:pt modelId="{EB8029E9-F8B3-4C0E-BA52-64B0D221FEA3}" type="pres">
+      <dgm:prSet presAssocID="{36CCE117-9739-411D-BB7E-C2B7DD2789B9}" presName="rootComposite" presStyleCnt="0"/>
+      <dgm:spPr/>
+    </dgm:pt>
+    <dgm:pt modelId="{5ACDC569-858C-497F-A547-69F95FB669BF}" type="pres">
+      <dgm:prSet presAssocID="{36CCE117-9739-411D-BB7E-C2B7DD2789B9}" presName="rootText" presStyleLbl="node3" presStyleIdx="0" presStyleCnt="1">
+        <dgm:presLayoutVars>
+          <dgm:chPref val="3"/>
+        </dgm:presLayoutVars>
+      </dgm:prSet>
+      <dgm:spPr/>
+      <dgm:t>
+        <a:bodyPr/>
+        <a:lstStyle/>
+        <a:p>
+          <a:endParaRPr lang="pt-BR"/>
+        </a:p>
+      </dgm:t>
+    </dgm:pt>
+    <dgm:pt modelId="{BC8C34BC-6CFC-4C13-BFFE-79144F546371}" type="pres">
+      <dgm:prSet presAssocID="{36CCE117-9739-411D-BB7E-C2B7DD2789B9}" presName="rootConnector" presStyleLbl="node3" presStyleIdx="0" presStyleCnt="1"/>
+      <dgm:spPr/>
+      <dgm:t>
+        <a:bodyPr/>
+        <a:lstStyle/>
+        <a:p>
+          <a:endParaRPr lang="pt-BR"/>
+        </a:p>
+      </dgm:t>
+    </dgm:pt>
+    <dgm:pt modelId="{1835B07D-A464-412D-961B-D39AAE1CC427}" type="pres">
+      <dgm:prSet presAssocID="{36CCE117-9739-411D-BB7E-C2B7DD2789B9}" presName="hierChild4" presStyleCnt="0"/>
+      <dgm:spPr/>
+    </dgm:pt>
+    <dgm:pt modelId="{A761579C-69B8-4717-AE55-AE00CB4CA0B1}" type="pres">
+      <dgm:prSet presAssocID="{5AB62D16-106A-4891-8D76-CBD7D68C0A2A}" presName="Name37" presStyleLbl="parChTrans1D4" presStyleIdx="0" presStyleCnt="1"/>
+      <dgm:spPr/>
+      <dgm:t>
+        <a:bodyPr/>
+        <a:lstStyle/>
+        <a:p>
+          <a:endParaRPr lang="pt-BR"/>
+        </a:p>
+      </dgm:t>
+    </dgm:pt>
+    <dgm:pt modelId="{EB21159B-5494-459D-B59E-F03C83754C71}" type="pres">
+      <dgm:prSet presAssocID="{7854C57D-DDDA-42A5-BAD1-7E80AE5A14A4}" presName="hierRoot2" presStyleCnt="0">
+        <dgm:presLayoutVars>
+          <dgm:hierBranch val="init"/>
+        </dgm:presLayoutVars>
+      </dgm:prSet>
+      <dgm:spPr/>
+    </dgm:pt>
+    <dgm:pt modelId="{D1E2F288-0A8E-45D2-AB13-D0B332094D55}" type="pres">
+      <dgm:prSet presAssocID="{7854C57D-DDDA-42A5-BAD1-7E80AE5A14A4}" presName="rootComposite" presStyleCnt="0"/>
+      <dgm:spPr/>
+    </dgm:pt>
+    <dgm:pt modelId="{6E42656A-E18A-4A6D-AA07-800971A9EE58}" type="pres">
+      <dgm:prSet presAssocID="{7854C57D-DDDA-42A5-BAD1-7E80AE5A14A4}" presName="rootText" presStyleLbl="node4" presStyleIdx="0" presStyleCnt="1">
+        <dgm:presLayoutVars>
+          <dgm:chPref val="3"/>
+        </dgm:presLayoutVars>
+      </dgm:prSet>
+      <dgm:spPr/>
+      <dgm:t>
+        <a:bodyPr/>
+        <a:lstStyle/>
+        <a:p>
+          <a:endParaRPr lang="pt-BR"/>
+        </a:p>
+      </dgm:t>
+    </dgm:pt>
+    <dgm:pt modelId="{7DB2FAB1-8A7C-4702-A8EE-D7BF6B4B953F}" type="pres">
+      <dgm:prSet presAssocID="{7854C57D-DDDA-42A5-BAD1-7E80AE5A14A4}" presName="rootConnector" presStyleLbl="node4" presStyleIdx="0" presStyleCnt="1"/>
+      <dgm:spPr/>
+      <dgm:t>
+        <a:bodyPr/>
+        <a:lstStyle/>
+        <a:p>
+          <a:endParaRPr lang="pt-BR"/>
+        </a:p>
+      </dgm:t>
+    </dgm:pt>
+    <dgm:pt modelId="{16E1261C-395B-4A86-8AD5-3E915FB50C4B}" type="pres">
+      <dgm:prSet presAssocID="{7854C57D-DDDA-42A5-BAD1-7E80AE5A14A4}" presName="hierChild4" presStyleCnt="0"/>
+      <dgm:spPr/>
+    </dgm:pt>
+    <dgm:pt modelId="{9F91F9CE-C8DB-4066-AF2C-B61D412FC1FF}" type="pres">
+      <dgm:prSet presAssocID="{7854C57D-DDDA-42A5-BAD1-7E80AE5A14A4}" presName="hierChild5" presStyleCnt="0"/>
+      <dgm:spPr/>
+    </dgm:pt>
+    <dgm:pt modelId="{34EF6A1D-B75B-47FC-95D2-E2070C3C4930}" type="pres">
+      <dgm:prSet presAssocID="{36CCE117-9739-411D-BB7E-C2B7DD2789B9}" presName="hierChild5" presStyleCnt="0"/>
+      <dgm:spPr/>
+    </dgm:pt>
+    <dgm:pt modelId="{7C7E2168-9F3D-4999-ADE7-41281EF84151}" type="pres">
+      <dgm:prSet presAssocID="{90DADD5D-79F4-4C91-A6D8-92D9FEC9E262}" presName="hierChild5" presStyleCnt="0"/>
+      <dgm:spPr/>
+    </dgm:pt>
+    <dgm:pt modelId="{37844BA7-A28A-4A32-A1F3-C4DF2C9E6843}" type="pres">
+      <dgm:prSet presAssocID="{C126A7CA-618C-4960-9811-38884DAF038F}" presName="Name37" presStyleLbl="parChTrans1D2" presStyleIdx="2" presStyleCnt="4"/>
+      <dgm:spPr/>
+      <dgm:t>
+        <a:bodyPr/>
+        <a:lstStyle/>
+        <a:p>
+          <a:endParaRPr lang="pt-BR"/>
+        </a:p>
+      </dgm:t>
+    </dgm:pt>
+    <dgm:pt modelId="{614AEB64-9BCC-4443-9CE7-869A977A32C0}" type="pres">
+      <dgm:prSet presAssocID="{A8A1086F-C6D6-4729-89C0-1455EAF52B19}" presName="hierRoot2" presStyleCnt="0">
+        <dgm:presLayoutVars>
+          <dgm:hierBranch val="init"/>
+        </dgm:presLayoutVars>
+      </dgm:prSet>
+      <dgm:spPr/>
+    </dgm:pt>
+    <dgm:pt modelId="{EB898CAE-58A8-4960-8FEC-5FB2D5819632}" type="pres">
+      <dgm:prSet presAssocID="{A8A1086F-C6D6-4729-89C0-1455EAF52B19}" presName="rootComposite" presStyleCnt="0"/>
+      <dgm:spPr/>
+    </dgm:pt>
+    <dgm:pt modelId="{E73E89B6-A30D-42B4-93B9-9A44E725C651}" type="pres">
+      <dgm:prSet presAssocID="{A8A1086F-C6D6-4729-89C0-1455EAF52B19}" presName="rootText" presStyleLbl="node2" presStyleIdx="2" presStyleCnt="4">
+        <dgm:presLayoutVars>
+          <dgm:chPref val="3"/>
+        </dgm:presLayoutVars>
+      </dgm:prSet>
+      <dgm:spPr/>
+      <dgm:t>
+        <a:bodyPr/>
+        <a:lstStyle/>
+        <a:p>
+          <a:endParaRPr lang="pt-BR"/>
+        </a:p>
+      </dgm:t>
+    </dgm:pt>
+    <dgm:pt modelId="{113CC640-A9FE-4496-9F75-39AE3EC748BD}" type="pres">
+      <dgm:prSet presAssocID="{A8A1086F-C6D6-4729-89C0-1455EAF52B19}" presName="rootConnector" presStyleLbl="node2" presStyleIdx="2" presStyleCnt="4"/>
+      <dgm:spPr/>
+      <dgm:t>
+        <a:bodyPr/>
+        <a:lstStyle/>
+        <a:p>
+          <a:endParaRPr lang="pt-BR"/>
+        </a:p>
+      </dgm:t>
+    </dgm:pt>
+    <dgm:pt modelId="{29E87534-0F4E-4091-B240-DC39C7BC4D36}" type="pres">
+      <dgm:prSet presAssocID="{A8A1086F-C6D6-4729-89C0-1455EAF52B19}" presName="hierChild4" presStyleCnt="0"/>
+      <dgm:spPr/>
+    </dgm:pt>
+    <dgm:pt modelId="{D3AB4B01-85A8-4407-903B-DF7A625D4242}" type="pres">
+      <dgm:prSet presAssocID="{A8A1086F-C6D6-4729-89C0-1455EAF52B19}" presName="hierChild5" presStyleCnt="0"/>
+      <dgm:spPr/>
+    </dgm:pt>
+    <dgm:pt modelId="{6ACC1458-EDF1-4AA3-B2B7-03FECF5079C6}" type="pres">
+      <dgm:prSet presAssocID="{2406E5F9-3801-4EE4-9EDD-EB04A4892A1D}" presName="Name37" presStyleLbl="parChTrans1D2" presStyleIdx="3" presStyleCnt="4"/>
+      <dgm:spPr/>
+      <dgm:t>
+        <a:bodyPr/>
+        <a:lstStyle/>
+        <a:p>
+          <a:endParaRPr lang="pt-BR"/>
+        </a:p>
+      </dgm:t>
+    </dgm:pt>
+    <dgm:pt modelId="{BBF8D8F3-7211-4A34-808C-FCF20031F3C8}" type="pres">
+      <dgm:prSet presAssocID="{E00331C4-3455-4D66-A38E-B4D6B4AD450E}" presName="hierRoot2" presStyleCnt="0">
+        <dgm:presLayoutVars>
+          <dgm:hierBranch val="init"/>
+        </dgm:presLayoutVars>
+      </dgm:prSet>
+      <dgm:spPr/>
+    </dgm:pt>
+    <dgm:pt modelId="{36D4D889-0EC4-44AF-A2AB-2FE6EC5E627B}" type="pres">
+      <dgm:prSet presAssocID="{E00331C4-3455-4D66-A38E-B4D6B4AD450E}" presName="rootComposite" presStyleCnt="0"/>
+      <dgm:spPr/>
+    </dgm:pt>
+    <dgm:pt modelId="{E8D2C1FA-320B-401C-A4D0-A339A235B9BA}" type="pres">
+      <dgm:prSet presAssocID="{E00331C4-3455-4D66-A38E-B4D6B4AD450E}" presName="rootText" presStyleLbl="node2" presStyleIdx="3" presStyleCnt="4">
+        <dgm:presLayoutVars>
+          <dgm:chPref val="3"/>
+        </dgm:presLayoutVars>
+      </dgm:prSet>
+      <dgm:spPr/>
+      <dgm:t>
+        <a:bodyPr/>
+        <a:lstStyle/>
+        <a:p>
+          <a:endParaRPr lang="pt-BR"/>
+        </a:p>
+      </dgm:t>
+    </dgm:pt>
     <dgm:pt modelId="{ADDA17F9-5DEB-4357-AECF-51BE3774DDB9}" type="pres">
       <dgm:prSet presAssocID="{E00331C4-3455-4D66-A38E-B4D6B4AD450E}" presName="rootConnector" presStyleLbl="node2" presStyleIdx="3" presStyleCnt="4"/>
       <dgm:spPr/>
+      <dgm:t>
+        <a:bodyPr/>
+        <a:lstStyle/>
+        <a:p>
+          <a:endParaRPr lang="pt-BR"/>
+        </a:p>
+      </dgm:t>
     </dgm:pt>
     <dgm:pt modelId="{0C827C55-D297-423F-BE38-EE287BE69CBE}" type="pres">
       <dgm:prSet presAssocID="{E00331C4-3455-4D66-A38E-B4D6B4AD450E}" presName="hierChild4" presStyleCnt="0"/>
@@ -2915,34 +3039,34 @@
     </dgm:pt>
   </dgm:ptLst>
   <dgm:cxnLst>
+    <dgm:cxn modelId="{5EAE4780-EEFE-4977-81E6-BAB65AD00949}" type="presOf" srcId="{914DEB1E-C422-4A34-9799-83E3A6E48CD8}" destId="{3C6EF7D9-1AC8-4571-B623-175634A956DE}" srcOrd="1" destOrd="0" presId="urn:microsoft.com/office/officeart/2005/8/layout/orgChart1"/>
+    <dgm:cxn modelId="{01AB5B6D-991D-4CA1-8624-CB8AEE2F0F25}" type="presOf" srcId="{914DEB1E-C422-4A34-9799-83E3A6E48CD8}" destId="{865ED5CC-E8FD-49AF-9342-EF9C11B5B971}" srcOrd="0" destOrd="0" presId="urn:microsoft.com/office/officeart/2005/8/layout/orgChart1"/>
+    <dgm:cxn modelId="{A7D36E4C-55E2-4081-9078-FC06195BC9E3}" type="presOf" srcId="{7854C57D-DDDA-42A5-BAD1-7E80AE5A14A4}" destId="{7DB2FAB1-8A7C-4702-A8EE-D7BF6B4B953F}" srcOrd="1" destOrd="0" presId="urn:microsoft.com/office/officeart/2005/8/layout/orgChart1"/>
+    <dgm:cxn modelId="{6261BAF9-5B2F-440A-B069-9BE1265A52FD}" srcId="{36CCE117-9739-411D-BB7E-C2B7DD2789B9}" destId="{7854C57D-DDDA-42A5-BAD1-7E80AE5A14A4}" srcOrd="0" destOrd="0" parTransId="{5AB62D16-106A-4891-8D76-CBD7D68C0A2A}" sibTransId="{3C0E8ECA-C57C-40D1-9A03-1C00865712CC}"/>
+    <dgm:cxn modelId="{0BA9601D-F81A-46BB-A1B0-0252DD5F7BD9}" srcId="{A3D072FF-FBEE-4B1C-AC7F-A6716660B028}" destId="{914DEB1E-C422-4A34-9799-83E3A6E48CD8}" srcOrd="0" destOrd="0" parTransId="{4BA959DB-CF1A-4A06-B324-868BE66E1DD4}" sibTransId="{37E45A43-C82C-40CA-A642-743928A84EC4}"/>
+    <dgm:cxn modelId="{98CDA4FA-1DFD-4FCE-A779-41C051516C57}" type="presOf" srcId="{90DADD5D-79F4-4C91-A6D8-92D9FEC9E262}" destId="{63F994A9-B60B-4838-86B0-9317226C21C7}" srcOrd="1" destOrd="0" presId="urn:microsoft.com/office/officeart/2005/8/layout/orgChart1"/>
+    <dgm:cxn modelId="{1C75A2DC-B2F0-491D-AC6D-CA38E70024C4}" type="presOf" srcId="{E00331C4-3455-4D66-A38E-B4D6B4AD450E}" destId="{E8D2C1FA-320B-401C-A4D0-A339A235B9BA}" srcOrd="0" destOrd="0" presId="urn:microsoft.com/office/officeart/2005/8/layout/orgChart1"/>
+    <dgm:cxn modelId="{368EBB5F-15FF-45F1-8A03-234036E6A371}" type="presOf" srcId="{36CCE117-9739-411D-BB7E-C2B7DD2789B9}" destId="{5ACDC569-858C-497F-A547-69F95FB669BF}" srcOrd="0" destOrd="0" presId="urn:microsoft.com/office/officeart/2005/8/layout/orgChart1"/>
+    <dgm:cxn modelId="{A94DFAED-96D1-41D2-A9FE-220348611FEA}" type="presOf" srcId="{A3D072FF-FBEE-4B1C-AC7F-A6716660B028}" destId="{549E180E-A8EB-40AB-9DFF-6C98A55CA316}" srcOrd="0" destOrd="0" presId="urn:microsoft.com/office/officeart/2005/8/layout/orgChart1"/>
+    <dgm:cxn modelId="{856ADFF4-778D-43C3-BB0E-4A0F48847311}" type="presOf" srcId="{2406E5F9-3801-4EE4-9EDD-EB04A4892A1D}" destId="{6ACC1458-EDF1-4AA3-B2B7-03FECF5079C6}" srcOrd="0" destOrd="0" presId="urn:microsoft.com/office/officeart/2005/8/layout/orgChart1"/>
     <dgm:cxn modelId="{2F2813BF-240E-4A8F-85D5-D86F441104D5}" srcId="{C9ADE774-C691-4F3C-A953-40AE2E022876}" destId="{A3D072FF-FBEE-4B1C-AC7F-A6716660B028}" srcOrd="0" destOrd="0" parTransId="{18FB2E03-445C-43E8-9948-F2F2CF50CBA5}" sibTransId="{22AE705F-B751-4C77-BFF4-26CDC7A9E91D}"/>
-    <dgm:cxn modelId="{1C75A2DC-B2F0-491D-AC6D-CA38E70024C4}" type="presOf" srcId="{E00331C4-3455-4D66-A38E-B4D6B4AD450E}" destId="{E8D2C1FA-320B-401C-A4D0-A339A235B9BA}" srcOrd="0" destOrd="0" presId="urn:microsoft.com/office/officeart/2005/8/layout/orgChart1"/>
-    <dgm:cxn modelId="{856ADFF4-778D-43C3-BB0E-4A0F48847311}" type="presOf" srcId="{2406E5F9-3801-4EE4-9EDD-EB04A4892A1D}" destId="{6ACC1458-EDF1-4AA3-B2B7-03FECF5079C6}" srcOrd="0" destOrd="0" presId="urn:microsoft.com/office/officeart/2005/8/layout/orgChart1"/>
-    <dgm:cxn modelId="{A7D36E4C-55E2-4081-9078-FC06195BC9E3}" type="presOf" srcId="{7854C57D-DDDA-42A5-BAD1-7E80AE5A14A4}" destId="{7DB2FAB1-8A7C-4702-A8EE-D7BF6B4B953F}" srcOrd="1" destOrd="0" presId="urn:microsoft.com/office/officeart/2005/8/layout/orgChart1"/>
-    <dgm:cxn modelId="{BCEAB7F3-64B4-4B9C-A895-C6D9D3BCC0B2}" type="presOf" srcId="{90DADD5D-79F4-4C91-A6D8-92D9FEC9E262}" destId="{33591E9D-67AB-4118-AA2D-F0213178199D}" srcOrd="0" destOrd="0" presId="urn:microsoft.com/office/officeart/2005/8/layout/orgChart1"/>
-    <dgm:cxn modelId="{2B283A85-6D64-4185-85A6-DA2B8F9C7C60}" srcId="{A3D072FF-FBEE-4B1C-AC7F-A6716660B028}" destId="{A8A1086F-C6D6-4729-89C0-1455EAF52B19}" srcOrd="2" destOrd="0" parTransId="{C126A7CA-618C-4960-9811-38884DAF038F}" sibTransId="{9865D431-2A12-4245-8F0A-107E90E29480}"/>
-    <dgm:cxn modelId="{7F21868A-35FA-427B-A946-06E7D726AA17}" srcId="{90DADD5D-79F4-4C91-A6D8-92D9FEC9E262}" destId="{36CCE117-9739-411D-BB7E-C2B7DD2789B9}" srcOrd="0" destOrd="0" parTransId="{38E649D9-1880-4111-ACA6-9061B09BF125}" sibTransId="{3AF8A38E-84A4-43CE-842E-C29655AAF83F}"/>
-    <dgm:cxn modelId="{94BB284E-AA2D-4CB7-8944-94156D3F1A05}" type="presOf" srcId="{7F25B1FC-E1C7-48DB-AF48-71E1565006DC}" destId="{C57C79FD-2C6A-47A9-9A9D-524DC7E97009}" srcOrd="0" destOrd="0" presId="urn:microsoft.com/office/officeart/2005/8/layout/orgChart1"/>
     <dgm:cxn modelId="{C261E7AD-BD94-4228-9A37-28156B6957E6}" type="presOf" srcId="{4BA959DB-CF1A-4A06-B324-868BE66E1DD4}" destId="{4A05FB3B-96AB-4154-BC10-D6328AB687CB}" srcOrd="0" destOrd="0" presId="urn:microsoft.com/office/officeart/2005/8/layout/orgChart1"/>
     <dgm:cxn modelId="{F6C22949-6EF9-4FFA-8257-FCC8D885F90F}" type="presOf" srcId="{36CCE117-9739-411D-BB7E-C2B7DD2789B9}" destId="{BC8C34BC-6CFC-4C13-BFFE-79144F546371}" srcOrd="1" destOrd="0" presId="urn:microsoft.com/office/officeart/2005/8/layout/orgChart1"/>
-    <dgm:cxn modelId="{01AB5B6D-991D-4CA1-8624-CB8AEE2F0F25}" type="presOf" srcId="{914DEB1E-C422-4A34-9799-83E3A6E48CD8}" destId="{865ED5CC-E8FD-49AF-9342-EF9C11B5B971}" srcOrd="0" destOrd="0" presId="urn:microsoft.com/office/officeart/2005/8/layout/orgChart1"/>
-    <dgm:cxn modelId="{A94DFAED-96D1-41D2-A9FE-220348611FEA}" type="presOf" srcId="{A3D072FF-FBEE-4B1C-AC7F-A6716660B028}" destId="{549E180E-A8EB-40AB-9DFF-6C98A55CA316}" srcOrd="0" destOrd="0" presId="urn:microsoft.com/office/officeart/2005/8/layout/orgChart1"/>
-    <dgm:cxn modelId="{5EAE4780-EEFE-4977-81E6-BAB65AD00949}" type="presOf" srcId="{914DEB1E-C422-4A34-9799-83E3A6E48CD8}" destId="{3C6EF7D9-1AC8-4571-B623-175634A956DE}" srcOrd="1" destOrd="0" presId="urn:microsoft.com/office/officeart/2005/8/layout/orgChart1"/>
     <dgm:cxn modelId="{6F6A505D-9AB8-4581-9EBF-B0C739C7AFC4}" type="presOf" srcId="{A8A1086F-C6D6-4729-89C0-1455EAF52B19}" destId="{113CC640-A9FE-4496-9F75-39AE3EC748BD}" srcOrd="1" destOrd="0" presId="urn:microsoft.com/office/officeart/2005/8/layout/orgChart1"/>
-    <dgm:cxn modelId="{C240E8A1-CEF6-46D7-A71F-25B1E2B11F01}" type="presOf" srcId="{38E649D9-1880-4111-ACA6-9061B09BF125}" destId="{82471D9B-502E-42D5-98E2-4673DC357930}" srcOrd="0" destOrd="0" presId="urn:microsoft.com/office/officeart/2005/8/layout/orgChart1"/>
-    <dgm:cxn modelId="{858DD042-4A49-48A1-AB5F-2CB23EF17EB4}" type="presOf" srcId="{5AB62D16-106A-4891-8D76-CBD7D68C0A2A}" destId="{A761579C-69B8-4717-AE55-AE00CB4CA0B1}" srcOrd="0" destOrd="0" presId="urn:microsoft.com/office/officeart/2005/8/layout/orgChart1"/>
-    <dgm:cxn modelId="{368EBB5F-15FF-45F1-8A03-234036E6A371}" type="presOf" srcId="{36CCE117-9739-411D-BB7E-C2B7DD2789B9}" destId="{5ACDC569-858C-497F-A547-69F95FB669BF}" srcOrd="0" destOrd="0" presId="urn:microsoft.com/office/officeart/2005/8/layout/orgChart1"/>
+    <dgm:cxn modelId="{2B283A85-6D64-4185-85A6-DA2B8F9C7C60}" srcId="{A3D072FF-FBEE-4B1C-AC7F-A6716660B028}" destId="{A8A1086F-C6D6-4729-89C0-1455EAF52B19}" srcOrd="2" destOrd="0" parTransId="{C126A7CA-618C-4960-9811-38884DAF038F}" sibTransId="{9865D431-2A12-4245-8F0A-107E90E29480}"/>
+    <dgm:cxn modelId="{BFA4612C-070B-4584-87B6-E70B938115D0}" srcId="{A3D072FF-FBEE-4B1C-AC7F-A6716660B028}" destId="{E00331C4-3455-4D66-A38E-B4D6B4AD450E}" srcOrd="3" destOrd="0" parTransId="{2406E5F9-3801-4EE4-9EDD-EB04A4892A1D}" sibTransId="{90A173B4-F79F-40F4-BA56-658A00C92596}"/>
     <dgm:cxn modelId="{B77DFDEE-604F-4153-9448-4B2BCB36EABB}" type="presOf" srcId="{A8A1086F-C6D6-4729-89C0-1455EAF52B19}" destId="{E73E89B6-A30D-42B4-93B9-9A44E725C651}" srcOrd="0" destOrd="0" presId="urn:microsoft.com/office/officeart/2005/8/layout/orgChart1"/>
     <dgm:cxn modelId="{F11D1EAB-D08D-4087-A86C-0DBCC993645C}" type="presOf" srcId="{E00331C4-3455-4D66-A38E-B4D6B4AD450E}" destId="{ADDA17F9-5DEB-4357-AECF-51BE3774DDB9}" srcOrd="1" destOrd="0" presId="urn:microsoft.com/office/officeart/2005/8/layout/orgChart1"/>
-    <dgm:cxn modelId="{0BA9601D-F81A-46BB-A1B0-0252DD5F7BD9}" srcId="{A3D072FF-FBEE-4B1C-AC7F-A6716660B028}" destId="{914DEB1E-C422-4A34-9799-83E3A6E48CD8}" srcOrd="0" destOrd="0" parTransId="{4BA959DB-CF1A-4A06-B324-868BE66E1DD4}" sibTransId="{37E45A43-C82C-40CA-A642-743928A84EC4}"/>
+    <dgm:cxn modelId="{94BB284E-AA2D-4CB7-8944-94156D3F1A05}" type="presOf" srcId="{7F25B1FC-E1C7-48DB-AF48-71E1565006DC}" destId="{C57C79FD-2C6A-47A9-9A9D-524DC7E97009}" srcOrd="0" destOrd="0" presId="urn:microsoft.com/office/officeart/2005/8/layout/orgChart1"/>
+    <dgm:cxn modelId="{858DD042-4A49-48A1-AB5F-2CB23EF17EB4}" type="presOf" srcId="{5AB62D16-106A-4891-8D76-CBD7D68C0A2A}" destId="{A761579C-69B8-4717-AE55-AE00CB4CA0B1}" srcOrd="0" destOrd="0" presId="urn:microsoft.com/office/officeart/2005/8/layout/orgChart1"/>
+    <dgm:cxn modelId="{B29FE4C6-F8A8-4D47-96DE-2A4B0F92881C}" type="presOf" srcId="{7854C57D-DDDA-42A5-BAD1-7E80AE5A14A4}" destId="{6E42656A-E18A-4A6D-AA07-800971A9EE58}" srcOrd="0" destOrd="0" presId="urn:microsoft.com/office/officeart/2005/8/layout/orgChart1"/>
+    <dgm:cxn modelId="{12653ED6-21BD-43B9-B2C8-1E269DC3C5AD}" srcId="{A3D072FF-FBEE-4B1C-AC7F-A6716660B028}" destId="{90DADD5D-79F4-4C91-A6D8-92D9FEC9E262}" srcOrd="1" destOrd="0" parTransId="{7F25B1FC-E1C7-48DB-AF48-71E1565006DC}" sibTransId="{7F592B04-B640-49A0-89F4-818EBDBE7F8D}"/>
+    <dgm:cxn modelId="{C240E8A1-CEF6-46D7-A71F-25B1E2B11F01}" type="presOf" srcId="{38E649D9-1880-4111-ACA6-9061B09BF125}" destId="{82471D9B-502E-42D5-98E2-4673DC357930}" srcOrd="0" destOrd="0" presId="urn:microsoft.com/office/officeart/2005/8/layout/orgChart1"/>
+    <dgm:cxn modelId="{7F21868A-35FA-427B-A946-06E7D726AA17}" srcId="{90DADD5D-79F4-4C91-A6D8-92D9FEC9E262}" destId="{36CCE117-9739-411D-BB7E-C2B7DD2789B9}" srcOrd="0" destOrd="0" parTransId="{38E649D9-1880-4111-ACA6-9061B09BF125}" sibTransId="{3AF8A38E-84A4-43CE-842E-C29655AAF83F}"/>
+    <dgm:cxn modelId="{805F5CB9-E3F8-4014-BC53-43BA92B9AD9C}" type="presOf" srcId="{C126A7CA-618C-4960-9811-38884DAF038F}" destId="{37844BA7-A28A-4A32-A1F3-C4DF2C9E6843}" srcOrd="0" destOrd="0" presId="urn:microsoft.com/office/officeart/2005/8/layout/orgChart1"/>
+    <dgm:cxn modelId="{BCEAB7F3-64B4-4B9C-A895-C6D9D3BCC0B2}" type="presOf" srcId="{90DADD5D-79F4-4C91-A6D8-92D9FEC9E262}" destId="{33591E9D-67AB-4118-AA2D-F0213178199D}" srcOrd="0" destOrd="0" presId="urn:microsoft.com/office/officeart/2005/8/layout/orgChart1"/>
     <dgm:cxn modelId="{3C440F01-06E0-4B2E-BD76-AC5274F2DE34}" type="presOf" srcId="{A3D072FF-FBEE-4B1C-AC7F-A6716660B028}" destId="{AF82EC2C-D239-4E75-BD0C-6211C6017DF5}" srcOrd="1" destOrd="0" presId="urn:microsoft.com/office/officeart/2005/8/layout/orgChart1"/>
     <dgm:cxn modelId="{1C2B1FDD-88A6-4987-A684-B986B02AFA41}" type="presOf" srcId="{C9ADE774-C691-4F3C-A953-40AE2E022876}" destId="{2C808C35-F63F-45A9-A47F-2AD3E9AE6700}" srcOrd="0" destOrd="0" presId="urn:microsoft.com/office/officeart/2005/8/layout/orgChart1"/>
-    <dgm:cxn modelId="{805F5CB9-E3F8-4014-BC53-43BA92B9AD9C}" type="presOf" srcId="{C126A7CA-618C-4960-9811-38884DAF038F}" destId="{37844BA7-A28A-4A32-A1F3-C4DF2C9E6843}" srcOrd="0" destOrd="0" presId="urn:microsoft.com/office/officeart/2005/8/layout/orgChart1"/>
-    <dgm:cxn modelId="{BFA4612C-070B-4584-87B6-E70B938115D0}" srcId="{A3D072FF-FBEE-4B1C-AC7F-A6716660B028}" destId="{E00331C4-3455-4D66-A38E-B4D6B4AD450E}" srcOrd="3" destOrd="0" parTransId="{2406E5F9-3801-4EE4-9EDD-EB04A4892A1D}" sibTransId="{90A173B4-F79F-40F4-BA56-658A00C92596}"/>
-    <dgm:cxn modelId="{6261BAF9-5B2F-440A-B069-9BE1265A52FD}" srcId="{36CCE117-9739-411D-BB7E-C2B7DD2789B9}" destId="{7854C57D-DDDA-42A5-BAD1-7E80AE5A14A4}" srcOrd="0" destOrd="0" parTransId="{5AB62D16-106A-4891-8D76-CBD7D68C0A2A}" sibTransId="{3C0E8ECA-C57C-40D1-9A03-1C00865712CC}"/>
-    <dgm:cxn modelId="{B29FE4C6-F8A8-4D47-96DE-2A4B0F92881C}" type="presOf" srcId="{7854C57D-DDDA-42A5-BAD1-7E80AE5A14A4}" destId="{6E42656A-E18A-4A6D-AA07-800971A9EE58}" srcOrd="0" destOrd="0" presId="urn:microsoft.com/office/officeart/2005/8/layout/orgChart1"/>
-    <dgm:cxn modelId="{12653ED6-21BD-43B9-B2C8-1E269DC3C5AD}" srcId="{A3D072FF-FBEE-4B1C-AC7F-A6716660B028}" destId="{90DADD5D-79F4-4C91-A6D8-92D9FEC9E262}" srcOrd="1" destOrd="0" parTransId="{7F25B1FC-E1C7-48DB-AF48-71E1565006DC}" sibTransId="{7F592B04-B640-49A0-89F4-818EBDBE7F8D}"/>
-    <dgm:cxn modelId="{98CDA4FA-1DFD-4FCE-A779-41C051516C57}" type="presOf" srcId="{90DADD5D-79F4-4C91-A6D8-92D9FEC9E262}" destId="{63F994A9-B60B-4838-86B0-9317226C21C7}" srcOrd="1" destOrd="0" presId="urn:microsoft.com/office/officeart/2005/8/layout/orgChart1"/>
     <dgm:cxn modelId="{9E9D0363-81A0-43DC-8F37-1F8704970A31}" type="presParOf" srcId="{2C808C35-F63F-45A9-A47F-2AD3E9AE6700}" destId="{B389A499-AFBA-46BD-B948-A5CD76411887}" srcOrd="0" destOrd="0" presId="urn:microsoft.com/office/officeart/2005/8/layout/orgChart1"/>
     <dgm:cxn modelId="{3D344536-91F7-42D4-89DC-3D525C3DE6F7}" type="presParOf" srcId="{B389A499-AFBA-46BD-B948-A5CD76411887}" destId="{3D6D08DE-19D1-45A8-B747-BC8E567690EC}" srcOrd="0" destOrd="0" presId="urn:microsoft.com/office/officeart/2005/8/layout/orgChart1"/>
     <dgm:cxn modelId="{1EB15E73-D25E-4D8D-9231-C18339895E04}" type="presParOf" srcId="{3D6D08DE-19D1-45A8-B747-BC8E567690EC}" destId="{549E180E-A8EB-40AB-9DFF-6C98A55CA316}" srcOrd="0" destOrd="0" presId="urn:microsoft.com/office/officeart/2005/8/layout/orgChart1"/>
@@ -3287,90 +3411,6 @@
         </dgm:presLayoutVars>
       </dgm:prSet>
       <dgm:spPr/>
-    </dgm:pt>
-    <dgm:pt modelId="{BB308644-9E5B-4690-A6CF-611261CE44F4}" type="pres">
-      <dgm:prSet presAssocID="{0C00DC4A-08EF-4F3D-A9C5-433E1307844E}" presName="hierRoot1" presStyleCnt="0">
-        <dgm:presLayoutVars>
-          <dgm:hierBranch val="init"/>
-        </dgm:presLayoutVars>
-      </dgm:prSet>
-      <dgm:spPr/>
-    </dgm:pt>
-    <dgm:pt modelId="{23AF1EE2-935D-4FFA-835D-A66C93E72217}" type="pres">
-      <dgm:prSet presAssocID="{0C00DC4A-08EF-4F3D-A9C5-433E1307844E}" presName="rootComposite1" presStyleCnt="0"/>
-      <dgm:spPr/>
-    </dgm:pt>
-    <dgm:pt modelId="{0F17F1FF-8AFA-44F4-8A1A-3781436537FB}" type="pres">
-      <dgm:prSet presAssocID="{0C00DC4A-08EF-4F3D-A9C5-433E1307844E}" presName="rootText1" presStyleLbl="node0" presStyleIdx="0" presStyleCnt="1">
-        <dgm:presLayoutVars>
-          <dgm:chPref val="3"/>
-        </dgm:presLayoutVars>
-      </dgm:prSet>
-      <dgm:spPr/>
-    </dgm:pt>
-    <dgm:pt modelId="{54A6974C-FF55-46AF-9775-CA218AE47B45}" type="pres">
-      <dgm:prSet presAssocID="{0C00DC4A-08EF-4F3D-A9C5-433E1307844E}" presName="rootConnector1" presStyleLbl="node1" presStyleIdx="0" presStyleCnt="0"/>
-      <dgm:spPr/>
-    </dgm:pt>
-    <dgm:pt modelId="{A02C7FC1-FED0-4E16-BF73-8E9933509114}" type="pres">
-      <dgm:prSet presAssocID="{0C00DC4A-08EF-4F3D-A9C5-433E1307844E}" presName="hierChild2" presStyleCnt="0"/>
-      <dgm:spPr/>
-    </dgm:pt>
-    <dgm:pt modelId="{B2E459FE-CAA9-4172-A708-D04F131F3243}" type="pres">
-      <dgm:prSet presAssocID="{C0397115-45B4-4989-A51A-EF135F59EC9D}" presName="Name37" presStyleLbl="parChTrans1D2" presStyleIdx="0" presStyleCnt="1"/>
-      <dgm:spPr/>
-    </dgm:pt>
-    <dgm:pt modelId="{456D4F80-0ED3-4098-83EA-56D23447AF9E}" type="pres">
-      <dgm:prSet presAssocID="{A6A33547-15A0-4A6C-92A1-1889FE939CE6}" presName="hierRoot2" presStyleCnt="0">
-        <dgm:presLayoutVars>
-          <dgm:hierBranch val="init"/>
-        </dgm:presLayoutVars>
-      </dgm:prSet>
-      <dgm:spPr/>
-    </dgm:pt>
-    <dgm:pt modelId="{B9016FEC-7C2E-4FDA-B24C-6CD404B7C5BB}" type="pres">
-      <dgm:prSet presAssocID="{A6A33547-15A0-4A6C-92A1-1889FE939CE6}" presName="rootComposite" presStyleCnt="0"/>
-      <dgm:spPr/>
-    </dgm:pt>
-    <dgm:pt modelId="{3DB70DFB-42B6-49D5-BDBB-879EEE64C6BE}" type="pres">
-      <dgm:prSet presAssocID="{A6A33547-15A0-4A6C-92A1-1889FE939CE6}" presName="rootText" presStyleLbl="node2" presStyleIdx="0" presStyleCnt="1">
-        <dgm:presLayoutVars>
-          <dgm:chPref val="3"/>
-        </dgm:presLayoutVars>
-      </dgm:prSet>
-      <dgm:spPr/>
-    </dgm:pt>
-    <dgm:pt modelId="{1EEBDEEF-F171-46B3-AECD-426AE20D5024}" type="pres">
-      <dgm:prSet presAssocID="{A6A33547-15A0-4A6C-92A1-1889FE939CE6}" presName="rootConnector" presStyleLbl="node2" presStyleIdx="0" presStyleCnt="1"/>
-      <dgm:spPr/>
-    </dgm:pt>
-    <dgm:pt modelId="{354B9707-83C9-433A-B33E-9E315B402E4F}" type="pres">
-      <dgm:prSet presAssocID="{A6A33547-15A0-4A6C-92A1-1889FE939CE6}" presName="hierChild4" presStyleCnt="0"/>
-      <dgm:spPr/>
-    </dgm:pt>
-    <dgm:pt modelId="{46D47A2F-7C74-47E4-BC38-E87F9AD02167}" type="pres">
-      <dgm:prSet presAssocID="{1B207389-B320-487C-9DA0-58B993A3774A}" presName="Name37" presStyleLbl="parChTrans1D3" presStyleIdx="0" presStyleCnt="3"/>
-      <dgm:spPr/>
-    </dgm:pt>
-    <dgm:pt modelId="{222EAF40-8E2C-4A74-A7FC-2596D22EDD90}" type="pres">
-      <dgm:prSet presAssocID="{BCA3CEDD-7F19-45F2-ABE9-10FAB3BF4C09}" presName="hierRoot2" presStyleCnt="0">
-        <dgm:presLayoutVars>
-          <dgm:hierBranch val="init"/>
-        </dgm:presLayoutVars>
-      </dgm:prSet>
-      <dgm:spPr/>
-    </dgm:pt>
-    <dgm:pt modelId="{B4447D5A-F2B9-4A3C-B1D1-367295BBF47F}" type="pres">
-      <dgm:prSet presAssocID="{BCA3CEDD-7F19-45F2-ABE9-10FAB3BF4C09}" presName="rootComposite" presStyleCnt="0"/>
-      <dgm:spPr/>
-    </dgm:pt>
-    <dgm:pt modelId="{EFB2F47F-EC5B-4ED3-8678-3A12087E9F1F}" type="pres">
-      <dgm:prSet presAssocID="{BCA3CEDD-7F19-45F2-ABE9-10FAB3BF4C09}" presName="rootText" presStyleLbl="node3" presStyleIdx="0" presStyleCnt="3">
-        <dgm:presLayoutVars>
-          <dgm:chPref val="3"/>
-        </dgm:presLayoutVars>
-      </dgm:prSet>
-      <dgm:spPr/>
       <dgm:t>
         <a:bodyPr/>
         <a:lstStyle/>
@@ -3379,36 +3419,20 @@
         </a:p>
       </dgm:t>
     </dgm:pt>
-    <dgm:pt modelId="{786656FB-AB5F-4950-819A-8CF517B207B8}" type="pres">
-      <dgm:prSet presAssocID="{BCA3CEDD-7F19-45F2-ABE9-10FAB3BF4C09}" presName="rootConnector" presStyleLbl="node3" presStyleIdx="0" presStyleCnt="3"/>
-      <dgm:spPr/>
-    </dgm:pt>
-    <dgm:pt modelId="{4900E011-1202-43C5-A07A-2ABE5E8E9AA7}" type="pres">
-      <dgm:prSet presAssocID="{BCA3CEDD-7F19-45F2-ABE9-10FAB3BF4C09}" presName="hierChild4" presStyleCnt="0"/>
-      <dgm:spPr/>
-    </dgm:pt>
-    <dgm:pt modelId="{629A4868-C831-4932-8EE2-EE61131C7972}" type="pres">
-      <dgm:prSet presAssocID="{BCA3CEDD-7F19-45F2-ABE9-10FAB3BF4C09}" presName="hierChild5" presStyleCnt="0"/>
-      <dgm:spPr/>
-    </dgm:pt>
-    <dgm:pt modelId="{4A37A161-BF98-4773-B0CD-6B941A1BC337}" type="pres">
-      <dgm:prSet presAssocID="{2729F852-1663-474D-8A68-7079A7837236}" presName="Name37" presStyleLbl="parChTrans1D3" presStyleIdx="1" presStyleCnt="3"/>
-      <dgm:spPr/>
-    </dgm:pt>
-    <dgm:pt modelId="{D973FC71-A477-4D74-B3A3-21093991647A}" type="pres">
-      <dgm:prSet presAssocID="{8EC53984-C388-43A2-939A-EA2BABC11119}" presName="hierRoot2" presStyleCnt="0">
+    <dgm:pt modelId="{BB308644-9E5B-4690-A6CF-611261CE44F4}" type="pres">
+      <dgm:prSet presAssocID="{0C00DC4A-08EF-4F3D-A9C5-433E1307844E}" presName="hierRoot1" presStyleCnt="0">
         <dgm:presLayoutVars>
           <dgm:hierBranch val="init"/>
         </dgm:presLayoutVars>
       </dgm:prSet>
       <dgm:spPr/>
     </dgm:pt>
-    <dgm:pt modelId="{1891CF81-253A-4953-A111-C506F49FA3ED}" type="pres">
-      <dgm:prSet presAssocID="{8EC53984-C388-43A2-939A-EA2BABC11119}" presName="rootComposite" presStyleCnt="0"/>
-      <dgm:spPr/>
-    </dgm:pt>
-    <dgm:pt modelId="{BDDA08F4-F361-419D-9923-E46A231BB2A8}" type="pres">
-      <dgm:prSet presAssocID="{8EC53984-C388-43A2-939A-EA2BABC11119}" presName="rootText" presStyleLbl="node3" presStyleIdx="1" presStyleCnt="3">
+    <dgm:pt modelId="{23AF1EE2-935D-4FFA-835D-A66C93E72217}" type="pres">
+      <dgm:prSet presAssocID="{0C00DC4A-08EF-4F3D-A9C5-433E1307844E}" presName="rootComposite1" presStyleCnt="0"/>
+      <dgm:spPr/>
+    </dgm:pt>
+    <dgm:pt modelId="{0F17F1FF-8AFA-44F4-8A1A-3781436537FB}" type="pres">
+      <dgm:prSet presAssocID="{0C00DC4A-08EF-4F3D-A9C5-433E1307844E}" presName="rootText1" presStyleLbl="node0" presStyleIdx="0" presStyleCnt="1">
         <dgm:presLayoutVars>
           <dgm:chPref val="3"/>
         </dgm:presLayoutVars>
@@ -3422,40 +3446,8 @@
         </a:p>
       </dgm:t>
     </dgm:pt>
-    <dgm:pt modelId="{5C6B5596-7A47-48A6-848F-A79644873F19}" type="pres">
-      <dgm:prSet presAssocID="{8EC53984-C388-43A2-939A-EA2BABC11119}" presName="rootConnector" presStyleLbl="node3" presStyleIdx="1" presStyleCnt="3"/>
-      <dgm:spPr/>
-    </dgm:pt>
-    <dgm:pt modelId="{648E3D3E-258B-4F77-A860-9164C18A0842}" type="pres">
-      <dgm:prSet presAssocID="{8EC53984-C388-43A2-939A-EA2BABC11119}" presName="hierChild4" presStyleCnt="0"/>
-      <dgm:spPr/>
-    </dgm:pt>
-    <dgm:pt modelId="{8057A1B0-8F9D-4268-A150-73B5CEDF6448}" type="pres">
-      <dgm:prSet presAssocID="{8EC53984-C388-43A2-939A-EA2BABC11119}" presName="hierChild5" presStyleCnt="0"/>
-      <dgm:spPr/>
-    </dgm:pt>
-    <dgm:pt modelId="{932C240C-5315-4DCA-9890-1E4E3A0CD8A7}" type="pres">
-      <dgm:prSet presAssocID="{631ED84A-076E-40E5-AFD1-5FEB4036CB62}" presName="Name37" presStyleLbl="parChTrans1D3" presStyleIdx="2" presStyleCnt="3"/>
-      <dgm:spPr/>
-    </dgm:pt>
-    <dgm:pt modelId="{773CB66F-D1F6-4D5E-B168-91F0A8E6A92A}" type="pres">
-      <dgm:prSet presAssocID="{C474F81D-3F91-4166-BA16-200FB757623E}" presName="hierRoot2" presStyleCnt="0">
-        <dgm:presLayoutVars>
-          <dgm:hierBranch val="init"/>
-        </dgm:presLayoutVars>
-      </dgm:prSet>
-      <dgm:spPr/>
-    </dgm:pt>
-    <dgm:pt modelId="{9C02168D-FFE3-4F30-B8C5-E7074D96EC10}" type="pres">
-      <dgm:prSet presAssocID="{C474F81D-3F91-4166-BA16-200FB757623E}" presName="rootComposite" presStyleCnt="0"/>
-      <dgm:spPr/>
-    </dgm:pt>
-    <dgm:pt modelId="{5F3716DF-09AF-4D9C-BE02-15369948C205}" type="pres">
-      <dgm:prSet presAssocID="{C474F81D-3F91-4166-BA16-200FB757623E}" presName="rootText" presStyleLbl="node3" presStyleIdx="2" presStyleCnt="3">
-        <dgm:presLayoutVars>
-          <dgm:chPref val="3"/>
-        </dgm:presLayoutVars>
-      </dgm:prSet>
+    <dgm:pt modelId="{54A6974C-FF55-46AF-9775-CA218AE47B45}" type="pres">
+      <dgm:prSet presAssocID="{0C00DC4A-08EF-4F3D-A9C5-433E1307844E}" presName="rootConnector1" presStyleLbl="node1" presStyleIdx="0" presStyleCnt="0"/>
       <dgm:spPr/>
       <dgm:t>
         <a:bodyPr/>
@@ -3465,36 +3457,12 @@
         </a:p>
       </dgm:t>
     </dgm:pt>
-    <dgm:pt modelId="{E3352220-DEF6-4726-8122-44247012FA1D}" type="pres">
-      <dgm:prSet presAssocID="{C474F81D-3F91-4166-BA16-200FB757623E}" presName="rootConnector" presStyleLbl="node3" presStyleIdx="2" presStyleCnt="3"/>
-      <dgm:spPr/>
-    </dgm:pt>
-    <dgm:pt modelId="{8172004B-BC1C-4776-A4BC-3494EA404831}" type="pres">
-      <dgm:prSet presAssocID="{C474F81D-3F91-4166-BA16-200FB757623E}" presName="hierChild4" presStyleCnt="0"/>
-      <dgm:spPr/>
-    </dgm:pt>
-    <dgm:pt modelId="{6D15FFE0-6D10-424B-B736-885C88DE83A1}" type="pres">
-      <dgm:prSet presAssocID="{DEC4C44C-A2B8-4EFF-86A8-F3301BD0145A}" presName="Name37" presStyleLbl="parChTrans1D4" presStyleIdx="0" presStyleCnt="2"/>
-      <dgm:spPr/>
-    </dgm:pt>
-    <dgm:pt modelId="{A7073F49-ABA8-4E0C-9601-E618367DF049}" type="pres">
-      <dgm:prSet presAssocID="{0E5A19FE-8ADE-474D-8041-B52FA5767677}" presName="hierRoot2" presStyleCnt="0">
-        <dgm:presLayoutVars>
-          <dgm:hierBranch val="init"/>
-        </dgm:presLayoutVars>
-      </dgm:prSet>
-      <dgm:spPr/>
-    </dgm:pt>
-    <dgm:pt modelId="{1DCCC06B-5A06-4D35-8A6E-1F09CECB4F6B}" type="pres">
-      <dgm:prSet presAssocID="{0E5A19FE-8ADE-474D-8041-B52FA5767677}" presName="rootComposite" presStyleCnt="0"/>
-      <dgm:spPr/>
-    </dgm:pt>
-    <dgm:pt modelId="{F51CE6E2-DDB2-4BC8-A21E-A30033650B36}" type="pres">
-      <dgm:prSet presAssocID="{0E5A19FE-8ADE-474D-8041-B52FA5767677}" presName="rootText" presStyleLbl="node4" presStyleIdx="0" presStyleCnt="2">
-        <dgm:presLayoutVars>
-          <dgm:chPref val="3"/>
-        </dgm:presLayoutVars>
-      </dgm:prSet>
+    <dgm:pt modelId="{A02C7FC1-FED0-4E16-BF73-8E9933509114}" type="pres">
+      <dgm:prSet presAssocID="{0C00DC4A-08EF-4F3D-A9C5-433E1307844E}" presName="hierChild2" presStyleCnt="0"/>
+      <dgm:spPr/>
+    </dgm:pt>
+    <dgm:pt modelId="{B2E459FE-CAA9-4172-A708-D04F131F3243}" type="pres">
+      <dgm:prSet presAssocID="{C0397115-45B4-4989-A51A-EF135F59EC9D}" presName="Name37" presStyleLbl="parChTrans1D2" presStyleIdx="0" presStyleCnt="1"/>
       <dgm:spPr/>
       <dgm:t>
         <a:bodyPr/>
@@ -3504,9 +3472,263 @@
         </a:p>
       </dgm:t>
     </dgm:pt>
+    <dgm:pt modelId="{456D4F80-0ED3-4098-83EA-56D23447AF9E}" type="pres">
+      <dgm:prSet presAssocID="{A6A33547-15A0-4A6C-92A1-1889FE939CE6}" presName="hierRoot2" presStyleCnt="0">
+        <dgm:presLayoutVars>
+          <dgm:hierBranch val="init"/>
+        </dgm:presLayoutVars>
+      </dgm:prSet>
+      <dgm:spPr/>
+    </dgm:pt>
+    <dgm:pt modelId="{B9016FEC-7C2E-4FDA-B24C-6CD404B7C5BB}" type="pres">
+      <dgm:prSet presAssocID="{A6A33547-15A0-4A6C-92A1-1889FE939CE6}" presName="rootComposite" presStyleCnt="0"/>
+      <dgm:spPr/>
+    </dgm:pt>
+    <dgm:pt modelId="{3DB70DFB-42B6-49D5-BDBB-879EEE64C6BE}" type="pres">
+      <dgm:prSet presAssocID="{A6A33547-15A0-4A6C-92A1-1889FE939CE6}" presName="rootText" presStyleLbl="node2" presStyleIdx="0" presStyleCnt="1">
+        <dgm:presLayoutVars>
+          <dgm:chPref val="3"/>
+        </dgm:presLayoutVars>
+      </dgm:prSet>
+      <dgm:spPr/>
+      <dgm:t>
+        <a:bodyPr/>
+        <a:lstStyle/>
+        <a:p>
+          <a:endParaRPr lang="pt-BR"/>
+        </a:p>
+      </dgm:t>
+    </dgm:pt>
+    <dgm:pt modelId="{1EEBDEEF-F171-46B3-AECD-426AE20D5024}" type="pres">
+      <dgm:prSet presAssocID="{A6A33547-15A0-4A6C-92A1-1889FE939CE6}" presName="rootConnector" presStyleLbl="node2" presStyleIdx="0" presStyleCnt="1"/>
+      <dgm:spPr/>
+      <dgm:t>
+        <a:bodyPr/>
+        <a:lstStyle/>
+        <a:p>
+          <a:endParaRPr lang="pt-BR"/>
+        </a:p>
+      </dgm:t>
+    </dgm:pt>
+    <dgm:pt modelId="{354B9707-83C9-433A-B33E-9E315B402E4F}" type="pres">
+      <dgm:prSet presAssocID="{A6A33547-15A0-4A6C-92A1-1889FE939CE6}" presName="hierChild4" presStyleCnt="0"/>
+      <dgm:spPr/>
+    </dgm:pt>
+    <dgm:pt modelId="{46D47A2F-7C74-47E4-BC38-E87F9AD02167}" type="pres">
+      <dgm:prSet presAssocID="{1B207389-B320-487C-9DA0-58B993A3774A}" presName="Name37" presStyleLbl="parChTrans1D3" presStyleIdx="0" presStyleCnt="3"/>
+      <dgm:spPr/>
+      <dgm:t>
+        <a:bodyPr/>
+        <a:lstStyle/>
+        <a:p>
+          <a:endParaRPr lang="pt-BR"/>
+        </a:p>
+      </dgm:t>
+    </dgm:pt>
+    <dgm:pt modelId="{222EAF40-8E2C-4A74-A7FC-2596D22EDD90}" type="pres">
+      <dgm:prSet presAssocID="{BCA3CEDD-7F19-45F2-ABE9-10FAB3BF4C09}" presName="hierRoot2" presStyleCnt="0">
+        <dgm:presLayoutVars>
+          <dgm:hierBranch val="init"/>
+        </dgm:presLayoutVars>
+      </dgm:prSet>
+      <dgm:spPr/>
+    </dgm:pt>
+    <dgm:pt modelId="{B4447D5A-F2B9-4A3C-B1D1-367295BBF47F}" type="pres">
+      <dgm:prSet presAssocID="{BCA3CEDD-7F19-45F2-ABE9-10FAB3BF4C09}" presName="rootComposite" presStyleCnt="0"/>
+      <dgm:spPr/>
+    </dgm:pt>
+    <dgm:pt modelId="{EFB2F47F-EC5B-4ED3-8678-3A12087E9F1F}" type="pres">
+      <dgm:prSet presAssocID="{BCA3CEDD-7F19-45F2-ABE9-10FAB3BF4C09}" presName="rootText" presStyleLbl="node3" presStyleIdx="0" presStyleCnt="3">
+        <dgm:presLayoutVars>
+          <dgm:chPref val="3"/>
+        </dgm:presLayoutVars>
+      </dgm:prSet>
+      <dgm:spPr/>
+      <dgm:t>
+        <a:bodyPr/>
+        <a:lstStyle/>
+        <a:p>
+          <a:endParaRPr lang="pt-BR"/>
+        </a:p>
+      </dgm:t>
+    </dgm:pt>
+    <dgm:pt modelId="{786656FB-AB5F-4950-819A-8CF517B207B8}" type="pres">
+      <dgm:prSet presAssocID="{BCA3CEDD-7F19-45F2-ABE9-10FAB3BF4C09}" presName="rootConnector" presStyleLbl="node3" presStyleIdx="0" presStyleCnt="3"/>
+      <dgm:spPr/>
+      <dgm:t>
+        <a:bodyPr/>
+        <a:lstStyle/>
+        <a:p>
+          <a:endParaRPr lang="pt-BR"/>
+        </a:p>
+      </dgm:t>
+    </dgm:pt>
+    <dgm:pt modelId="{4900E011-1202-43C5-A07A-2ABE5E8E9AA7}" type="pres">
+      <dgm:prSet presAssocID="{BCA3CEDD-7F19-45F2-ABE9-10FAB3BF4C09}" presName="hierChild4" presStyleCnt="0"/>
+      <dgm:spPr/>
+    </dgm:pt>
+    <dgm:pt modelId="{629A4868-C831-4932-8EE2-EE61131C7972}" type="pres">
+      <dgm:prSet presAssocID="{BCA3CEDD-7F19-45F2-ABE9-10FAB3BF4C09}" presName="hierChild5" presStyleCnt="0"/>
+      <dgm:spPr/>
+    </dgm:pt>
+    <dgm:pt modelId="{4A37A161-BF98-4773-B0CD-6B941A1BC337}" type="pres">
+      <dgm:prSet presAssocID="{2729F852-1663-474D-8A68-7079A7837236}" presName="Name37" presStyleLbl="parChTrans1D3" presStyleIdx="1" presStyleCnt="3"/>
+      <dgm:spPr/>
+      <dgm:t>
+        <a:bodyPr/>
+        <a:lstStyle/>
+        <a:p>
+          <a:endParaRPr lang="pt-BR"/>
+        </a:p>
+      </dgm:t>
+    </dgm:pt>
+    <dgm:pt modelId="{D973FC71-A477-4D74-B3A3-21093991647A}" type="pres">
+      <dgm:prSet presAssocID="{8EC53984-C388-43A2-939A-EA2BABC11119}" presName="hierRoot2" presStyleCnt="0">
+        <dgm:presLayoutVars>
+          <dgm:hierBranch val="init"/>
+        </dgm:presLayoutVars>
+      </dgm:prSet>
+      <dgm:spPr/>
+    </dgm:pt>
+    <dgm:pt modelId="{1891CF81-253A-4953-A111-C506F49FA3ED}" type="pres">
+      <dgm:prSet presAssocID="{8EC53984-C388-43A2-939A-EA2BABC11119}" presName="rootComposite" presStyleCnt="0"/>
+      <dgm:spPr/>
+    </dgm:pt>
+    <dgm:pt modelId="{BDDA08F4-F361-419D-9923-E46A231BB2A8}" type="pres">
+      <dgm:prSet presAssocID="{8EC53984-C388-43A2-939A-EA2BABC11119}" presName="rootText" presStyleLbl="node3" presStyleIdx="1" presStyleCnt="3">
+        <dgm:presLayoutVars>
+          <dgm:chPref val="3"/>
+        </dgm:presLayoutVars>
+      </dgm:prSet>
+      <dgm:spPr/>
+      <dgm:t>
+        <a:bodyPr/>
+        <a:lstStyle/>
+        <a:p>
+          <a:endParaRPr lang="pt-BR"/>
+        </a:p>
+      </dgm:t>
+    </dgm:pt>
+    <dgm:pt modelId="{5C6B5596-7A47-48A6-848F-A79644873F19}" type="pres">
+      <dgm:prSet presAssocID="{8EC53984-C388-43A2-939A-EA2BABC11119}" presName="rootConnector" presStyleLbl="node3" presStyleIdx="1" presStyleCnt="3"/>
+      <dgm:spPr/>
+      <dgm:t>
+        <a:bodyPr/>
+        <a:lstStyle/>
+        <a:p>
+          <a:endParaRPr lang="pt-BR"/>
+        </a:p>
+      </dgm:t>
+    </dgm:pt>
+    <dgm:pt modelId="{648E3D3E-258B-4F77-A860-9164C18A0842}" type="pres">
+      <dgm:prSet presAssocID="{8EC53984-C388-43A2-939A-EA2BABC11119}" presName="hierChild4" presStyleCnt="0"/>
+      <dgm:spPr/>
+    </dgm:pt>
+    <dgm:pt modelId="{8057A1B0-8F9D-4268-A150-73B5CEDF6448}" type="pres">
+      <dgm:prSet presAssocID="{8EC53984-C388-43A2-939A-EA2BABC11119}" presName="hierChild5" presStyleCnt="0"/>
+      <dgm:spPr/>
+    </dgm:pt>
+    <dgm:pt modelId="{932C240C-5315-4DCA-9890-1E4E3A0CD8A7}" type="pres">
+      <dgm:prSet presAssocID="{631ED84A-076E-40E5-AFD1-5FEB4036CB62}" presName="Name37" presStyleLbl="parChTrans1D3" presStyleIdx="2" presStyleCnt="3"/>
+      <dgm:spPr/>
+      <dgm:t>
+        <a:bodyPr/>
+        <a:lstStyle/>
+        <a:p>
+          <a:endParaRPr lang="pt-BR"/>
+        </a:p>
+      </dgm:t>
+    </dgm:pt>
+    <dgm:pt modelId="{773CB66F-D1F6-4D5E-B168-91F0A8E6A92A}" type="pres">
+      <dgm:prSet presAssocID="{C474F81D-3F91-4166-BA16-200FB757623E}" presName="hierRoot2" presStyleCnt="0">
+        <dgm:presLayoutVars>
+          <dgm:hierBranch val="init"/>
+        </dgm:presLayoutVars>
+      </dgm:prSet>
+      <dgm:spPr/>
+    </dgm:pt>
+    <dgm:pt modelId="{9C02168D-FFE3-4F30-B8C5-E7074D96EC10}" type="pres">
+      <dgm:prSet presAssocID="{C474F81D-3F91-4166-BA16-200FB757623E}" presName="rootComposite" presStyleCnt="0"/>
+      <dgm:spPr/>
+    </dgm:pt>
+    <dgm:pt modelId="{5F3716DF-09AF-4D9C-BE02-15369948C205}" type="pres">
+      <dgm:prSet presAssocID="{C474F81D-3F91-4166-BA16-200FB757623E}" presName="rootText" presStyleLbl="node3" presStyleIdx="2" presStyleCnt="3">
+        <dgm:presLayoutVars>
+          <dgm:chPref val="3"/>
+        </dgm:presLayoutVars>
+      </dgm:prSet>
+      <dgm:spPr/>
+      <dgm:t>
+        <a:bodyPr/>
+        <a:lstStyle/>
+        <a:p>
+          <a:endParaRPr lang="pt-BR"/>
+        </a:p>
+      </dgm:t>
+    </dgm:pt>
+    <dgm:pt modelId="{E3352220-DEF6-4726-8122-44247012FA1D}" type="pres">
+      <dgm:prSet presAssocID="{C474F81D-3F91-4166-BA16-200FB757623E}" presName="rootConnector" presStyleLbl="node3" presStyleIdx="2" presStyleCnt="3"/>
+      <dgm:spPr/>
+      <dgm:t>
+        <a:bodyPr/>
+        <a:lstStyle/>
+        <a:p>
+          <a:endParaRPr lang="pt-BR"/>
+        </a:p>
+      </dgm:t>
+    </dgm:pt>
+    <dgm:pt modelId="{8172004B-BC1C-4776-A4BC-3494EA404831}" type="pres">
+      <dgm:prSet presAssocID="{C474F81D-3F91-4166-BA16-200FB757623E}" presName="hierChild4" presStyleCnt="0"/>
+      <dgm:spPr/>
+    </dgm:pt>
+    <dgm:pt modelId="{6D15FFE0-6D10-424B-B736-885C88DE83A1}" type="pres">
+      <dgm:prSet presAssocID="{DEC4C44C-A2B8-4EFF-86A8-F3301BD0145A}" presName="Name37" presStyleLbl="parChTrans1D4" presStyleIdx="0" presStyleCnt="2"/>
+      <dgm:spPr/>
+      <dgm:t>
+        <a:bodyPr/>
+        <a:lstStyle/>
+        <a:p>
+          <a:endParaRPr lang="pt-BR"/>
+        </a:p>
+      </dgm:t>
+    </dgm:pt>
+    <dgm:pt modelId="{A7073F49-ABA8-4E0C-9601-E618367DF049}" type="pres">
+      <dgm:prSet presAssocID="{0E5A19FE-8ADE-474D-8041-B52FA5767677}" presName="hierRoot2" presStyleCnt="0">
+        <dgm:presLayoutVars>
+          <dgm:hierBranch val="init"/>
+        </dgm:presLayoutVars>
+      </dgm:prSet>
+      <dgm:spPr/>
+    </dgm:pt>
+    <dgm:pt modelId="{1DCCC06B-5A06-4D35-8A6E-1F09CECB4F6B}" type="pres">
+      <dgm:prSet presAssocID="{0E5A19FE-8ADE-474D-8041-B52FA5767677}" presName="rootComposite" presStyleCnt="0"/>
+      <dgm:spPr/>
+    </dgm:pt>
+    <dgm:pt modelId="{F51CE6E2-DDB2-4BC8-A21E-A30033650B36}" type="pres">
+      <dgm:prSet presAssocID="{0E5A19FE-8ADE-474D-8041-B52FA5767677}" presName="rootText" presStyleLbl="node4" presStyleIdx="0" presStyleCnt="2">
+        <dgm:presLayoutVars>
+          <dgm:chPref val="3"/>
+        </dgm:presLayoutVars>
+      </dgm:prSet>
+      <dgm:spPr/>
+      <dgm:t>
+        <a:bodyPr/>
+        <a:lstStyle/>
+        <a:p>
+          <a:endParaRPr lang="pt-BR"/>
+        </a:p>
+      </dgm:t>
+    </dgm:pt>
     <dgm:pt modelId="{CFF94FD8-F9FB-4AAD-A2C9-9C53728E3C83}" type="pres">
       <dgm:prSet presAssocID="{0E5A19FE-8ADE-474D-8041-B52FA5767677}" presName="rootConnector" presStyleLbl="node4" presStyleIdx="0" presStyleCnt="2"/>
       <dgm:spPr/>
+      <dgm:t>
+        <a:bodyPr/>
+        <a:lstStyle/>
+        <a:p>
+          <a:endParaRPr lang="pt-BR"/>
+        </a:p>
+      </dgm:t>
     </dgm:pt>
     <dgm:pt modelId="{17A94E73-9DEB-4305-B27C-5A84E70E76C1}" type="pres">
       <dgm:prSet presAssocID="{0E5A19FE-8ADE-474D-8041-B52FA5767677}" presName="hierChild4" presStyleCnt="0"/>
@@ -3519,6 +3741,13 @@
     <dgm:pt modelId="{C7FE9975-2944-4524-813C-1E192A242423}" type="pres">
       <dgm:prSet presAssocID="{56149598-4DC4-4328-8054-E4BD0716BBE3}" presName="Name37" presStyleLbl="parChTrans1D4" presStyleIdx="1" presStyleCnt="2"/>
       <dgm:spPr/>
+      <dgm:t>
+        <a:bodyPr/>
+        <a:lstStyle/>
+        <a:p>
+          <a:endParaRPr lang="pt-BR"/>
+        </a:p>
+      </dgm:t>
     </dgm:pt>
     <dgm:pt modelId="{05BB5A6A-3F95-4DBC-87C2-91599C4D462C}" type="pres">
       <dgm:prSet presAssocID="{2D758EB0-9034-457F-89FD-516233DECCA7}" presName="hierRoot2" presStyleCnt="0">
@@ -3539,10 +3768,24 @@
         </dgm:presLayoutVars>
       </dgm:prSet>
       <dgm:spPr/>
+      <dgm:t>
+        <a:bodyPr/>
+        <a:lstStyle/>
+        <a:p>
+          <a:endParaRPr lang="pt-BR"/>
+        </a:p>
+      </dgm:t>
     </dgm:pt>
     <dgm:pt modelId="{CC940CF9-64D4-4866-9441-B97A02D89665}" type="pres">
       <dgm:prSet presAssocID="{2D758EB0-9034-457F-89FD-516233DECCA7}" presName="rootConnector" presStyleLbl="node4" presStyleIdx="1" presStyleCnt="2"/>
       <dgm:spPr/>
+      <dgm:t>
+        <a:bodyPr/>
+        <a:lstStyle/>
+        <a:p>
+          <a:endParaRPr lang="pt-BR"/>
+        </a:p>
+      </dgm:t>
     </dgm:pt>
     <dgm:pt modelId="{EB0EEFCC-F43F-4C30-AE9B-B7368563005D}" type="pres">
       <dgm:prSet presAssocID="{2D758EB0-9034-457F-89FD-516233DECCA7}" presName="hierChild4" presStyleCnt="0"/>
@@ -3566,8 +3809,8 @@
     </dgm:pt>
   </dgm:ptLst>
   <dgm:cxnLst>
+    <dgm:cxn modelId="{0D118C9D-1EF6-4251-8BBF-9A2BFE893C9E}" srcId="{C474F81D-3F91-4166-BA16-200FB757623E}" destId="{2D758EB0-9034-457F-89FD-516233DECCA7}" srcOrd="1" destOrd="0" parTransId="{56149598-4DC4-4328-8054-E4BD0716BBE3}" sibTransId="{D97CFFA5-4242-4F65-81B9-D148722AE2DC}"/>
     <dgm:cxn modelId="{5103F938-A125-460B-9B8E-0C9F8B2406C1}" type="presOf" srcId="{0E5A19FE-8ADE-474D-8041-B52FA5767677}" destId="{F51CE6E2-DDB2-4BC8-A21E-A30033650B36}" srcOrd="0" destOrd="0" presId="urn:microsoft.com/office/officeart/2005/8/layout/orgChart1"/>
-    <dgm:cxn modelId="{0D118C9D-1EF6-4251-8BBF-9A2BFE893C9E}" srcId="{C474F81D-3F91-4166-BA16-200FB757623E}" destId="{2D758EB0-9034-457F-89FD-516233DECCA7}" srcOrd="1" destOrd="0" parTransId="{56149598-4DC4-4328-8054-E4BD0716BBE3}" sibTransId="{D97CFFA5-4242-4F65-81B9-D148722AE2DC}"/>
     <dgm:cxn modelId="{256D378E-04C8-469F-B28D-DD44C9114698}" type="presOf" srcId="{C474F81D-3F91-4166-BA16-200FB757623E}" destId="{5F3716DF-09AF-4D9C-BE02-15369948C205}" srcOrd="0" destOrd="0" presId="urn:microsoft.com/office/officeart/2005/8/layout/orgChart1"/>
     <dgm:cxn modelId="{E3B85C87-1307-48FE-9639-A6BEED8F65EC}" type="presOf" srcId="{631ED84A-076E-40E5-AFD1-5FEB4036CB62}" destId="{932C240C-5315-4DCA-9890-1E4E3A0CD8A7}" srcOrd="0" destOrd="0" presId="urn:microsoft.com/office/officeart/2005/8/layout/orgChart1"/>
     <dgm:cxn modelId="{A21A54CF-E651-4A23-A7D1-C834C55ED63A}" srcId="{A6A33547-15A0-4A6C-92A1-1889FE939CE6}" destId="{BCA3CEDD-7F19-45F2-ABE9-10FAB3BF4C09}" srcOrd="0" destOrd="0" parTransId="{1B207389-B320-487C-9DA0-58B993A3774A}" sibTransId="{E4B1823A-C36B-48BA-8861-2BF25FAB5AB9}"/>
@@ -3581,9 +3824,9 @@
     <dgm:cxn modelId="{E63612B2-8C6E-426F-A4FD-CEA5C6E6CDD0}" type="presOf" srcId="{2729F852-1663-474D-8A68-7079A7837236}" destId="{4A37A161-BF98-4773-B0CD-6B941A1BC337}" srcOrd="0" destOrd="0" presId="urn:microsoft.com/office/officeart/2005/8/layout/orgChart1"/>
     <dgm:cxn modelId="{8F0373EC-09A7-4F15-9036-752E29DF4FF6}" type="presOf" srcId="{0C00DC4A-08EF-4F3D-A9C5-433E1307844E}" destId="{0F17F1FF-8AFA-44F4-8A1A-3781436537FB}" srcOrd="0" destOrd="0" presId="urn:microsoft.com/office/officeart/2005/8/layout/orgChart1"/>
     <dgm:cxn modelId="{3BB13F45-B15A-496B-B740-122AE86E3A0B}" type="presOf" srcId="{2D758EB0-9034-457F-89FD-516233DECCA7}" destId="{C9A0722C-40B5-4DD2-9402-A61FE862A592}" srcOrd="0" destOrd="0" presId="urn:microsoft.com/office/officeart/2005/8/layout/orgChart1"/>
-    <dgm:cxn modelId="{444E3998-F305-4035-845C-2DC3F42A7AF0}" type="presOf" srcId="{8EC53984-C388-43A2-939A-EA2BABC11119}" destId="{5C6B5596-7A47-48A6-848F-A79644873F19}" srcOrd="1" destOrd="0" presId="urn:microsoft.com/office/officeart/2005/8/layout/orgChart1"/>
     <dgm:cxn modelId="{3D03D824-7E38-4679-884D-79B2BAC072AE}" type="presOf" srcId="{DEC4C44C-A2B8-4EFF-86A8-F3301BD0145A}" destId="{6D15FFE0-6D10-424B-B736-885C88DE83A1}" srcOrd="0" destOrd="0" presId="urn:microsoft.com/office/officeart/2005/8/layout/orgChart1"/>
     <dgm:cxn modelId="{17B82F24-A014-410C-9F85-3336FE437782}" srcId="{8B60F7B9-F61A-4CC6-ABE3-6504664F999E}" destId="{0C00DC4A-08EF-4F3D-A9C5-433E1307844E}" srcOrd="0" destOrd="0" parTransId="{D8ED64E5-F802-4081-BD6E-71BC64EF0C38}" sibTransId="{D12956DC-91E1-45F1-B180-EAB9A0CEF84D}"/>
+    <dgm:cxn modelId="{444E3998-F305-4035-845C-2DC3F42A7AF0}" type="presOf" srcId="{8EC53984-C388-43A2-939A-EA2BABC11119}" destId="{5C6B5596-7A47-48A6-848F-A79644873F19}" srcOrd="1" destOrd="0" presId="urn:microsoft.com/office/officeart/2005/8/layout/orgChart1"/>
     <dgm:cxn modelId="{5289E60A-F2B1-480C-9D16-A62252D70134}" type="presOf" srcId="{2D758EB0-9034-457F-89FD-516233DECCA7}" destId="{CC940CF9-64D4-4866-9441-B97A02D89665}" srcOrd="1" destOrd="0" presId="urn:microsoft.com/office/officeart/2005/8/layout/orgChart1"/>
     <dgm:cxn modelId="{E0BD951D-6A95-4955-8745-83C6CBD9E1AD}" srcId="{C474F81D-3F91-4166-BA16-200FB757623E}" destId="{0E5A19FE-8ADE-474D-8041-B52FA5767677}" srcOrd="0" destOrd="0" parTransId="{DEC4C44C-A2B8-4EFF-86A8-F3301BD0145A}" sibTransId="{D5172E0C-13D8-418F-A44E-16FDCE3CE608}"/>
     <dgm:cxn modelId="{C02465AE-F3F9-46BF-8CAC-8D133C6FE1EA}" srcId="{A6A33547-15A0-4A6C-92A1-1889FE939CE6}" destId="{8EC53984-C388-43A2-939A-EA2BABC11119}" srcOrd="1" destOrd="0" parTransId="{2729F852-1663-474D-8A68-7079A7837236}" sibTransId="{D7259DD6-7B15-4224-AB14-CE71ACACC46F}"/>
@@ -4012,90 +4255,6 @@
         </dgm:presLayoutVars>
       </dgm:prSet>
       <dgm:spPr/>
-    </dgm:pt>
-    <dgm:pt modelId="{58D0ED19-0502-4CD8-899C-31FA64D85FB2}" type="pres">
-      <dgm:prSet presAssocID="{DB6D17EA-112F-48B0-9E98-22FADB108BCA}" presName="hierRoot1" presStyleCnt="0">
-        <dgm:presLayoutVars>
-          <dgm:hierBranch val="init"/>
-        </dgm:presLayoutVars>
-      </dgm:prSet>
-      <dgm:spPr/>
-    </dgm:pt>
-    <dgm:pt modelId="{E2063E3B-7DBC-4CDE-BC9B-2113FDD35686}" type="pres">
-      <dgm:prSet presAssocID="{DB6D17EA-112F-48B0-9E98-22FADB108BCA}" presName="rootComposite1" presStyleCnt="0"/>
-      <dgm:spPr/>
-    </dgm:pt>
-    <dgm:pt modelId="{7FA03412-8585-4EFB-82EC-43214C59B41E}" type="pres">
-      <dgm:prSet presAssocID="{DB6D17EA-112F-48B0-9E98-22FADB108BCA}" presName="rootText1" presStyleLbl="node0" presStyleIdx="0" presStyleCnt="1">
-        <dgm:presLayoutVars>
-          <dgm:chPref val="3"/>
-        </dgm:presLayoutVars>
-      </dgm:prSet>
-      <dgm:spPr/>
-    </dgm:pt>
-    <dgm:pt modelId="{0D074238-35F7-4F03-8D9D-099C36BFEE69}" type="pres">
-      <dgm:prSet presAssocID="{DB6D17EA-112F-48B0-9E98-22FADB108BCA}" presName="rootConnector1" presStyleLbl="node1" presStyleIdx="0" presStyleCnt="0"/>
-      <dgm:spPr/>
-    </dgm:pt>
-    <dgm:pt modelId="{78E069FD-FBB3-41EB-92AF-3761E4D1FBA9}" type="pres">
-      <dgm:prSet presAssocID="{DB6D17EA-112F-48B0-9E98-22FADB108BCA}" presName="hierChild2" presStyleCnt="0"/>
-      <dgm:spPr/>
-    </dgm:pt>
-    <dgm:pt modelId="{CC956D28-58CE-4B65-A4CD-DAAD2775930A}" type="pres">
-      <dgm:prSet presAssocID="{E9E44B33-E690-4310-8888-79D7AE5464DB}" presName="Name37" presStyleLbl="parChTrans1D2" presStyleIdx="0" presStyleCnt="1"/>
-      <dgm:spPr/>
-    </dgm:pt>
-    <dgm:pt modelId="{123FC380-3E7D-46EB-9E1A-E9C3853085A5}" type="pres">
-      <dgm:prSet presAssocID="{4A62829C-4A42-4413-88F4-EB51D8883629}" presName="hierRoot2" presStyleCnt="0">
-        <dgm:presLayoutVars>
-          <dgm:hierBranch val="init"/>
-        </dgm:presLayoutVars>
-      </dgm:prSet>
-      <dgm:spPr/>
-    </dgm:pt>
-    <dgm:pt modelId="{93BC7FB1-D251-467F-B89F-4F94013FE4BE}" type="pres">
-      <dgm:prSet presAssocID="{4A62829C-4A42-4413-88F4-EB51D8883629}" presName="rootComposite" presStyleCnt="0"/>
-      <dgm:spPr/>
-    </dgm:pt>
-    <dgm:pt modelId="{D0F0FFA4-F036-48B7-9510-477E8B65A4C4}" type="pres">
-      <dgm:prSet presAssocID="{4A62829C-4A42-4413-88F4-EB51D8883629}" presName="rootText" presStyleLbl="node2" presStyleIdx="0" presStyleCnt="1">
-        <dgm:presLayoutVars>
-          <dgm:chPref val="3"/>
-        </dgm:presLayoutVars>
-      </dgm:prSet>
-      <dgm:spPr/>
-    </dgm:pt>
-    <dgm:pt modelId="{8B530096-A5FC-4D9A-BCA8-016462D744FE}" type="pres">
-      <dgm:prSet presAssocID="{4A62829C-4A42-4413-88F4-EB51D8883629}" presName="rootConnector" presStyleLbl="node2" presStyleIdx="0" presStyleCnt="1"/>
-      <dgm:spPr/>
-    </dgm:pt>
-    <dgm:pt modelId="{886ACBB4-FE93-4BE5-A373-7656ECC7877C}" type="pres">
-      <dgm:prSet presAssocID="{4A62829C-4A42-4413-88F4-EB51D8883629}" presName="hierChild4" presStyleCnt="0"/>
-      <dgm:spPr/>
-    </dgm:pt>
-    <dgm:pt modelId="{5AE030AB-ABC7-4F3A-BFF0-25708A17FF49}" type="pres">
-      <dgm:prSet presAssocID="{FA91CA24-389B-4D1C-85B4-B9394C87EF33}" presName="Name37" presStyleLbl="parChTrans1D3" presStyleIdx="0" presStyleCnt="5"/>
-      <dgm:spPr/>
-    </dgm:pt>
-    <dgm:pt modelId="{B2ECAEC6-AF37-4712-9C01-C9CD47686834}" type="pres">
-      <dgm:prSet presAssocID="{DDE19CDC-F48E-4C9E-99E8-445E3D58B04E}" presName="hierRoot2" presStyleCnt="0">
-        <dgm:presLayoutVars>
-          <dgm:hierBranch val="init"/>
-        </dgm:presLayoutVars>
-      </dgm:prSet>
-      <dgm:spPr/>
-    </dgm:pt>
-    <dgm:pt modelId="{D61B8F6D-528B-4C3C-83BC-58AD9E20247D}" type="pres">
-      <dgm:prSet presAssocID="{DDE19CDC-F48E-4C9E-99E8-445E3D58B04E}" presName="rootComposite" presStyleCnt="0"/>
-      <dgm:spPr/>
-    </dgm:pt>
-    <dgm:pt modelId="{E7FA6110-9E05-48AD-8AF5-3C2521776451}" type="pres">
-      <dgm:prSet presAssocID="{DDE19CDC-F48E-4C9E-99E8-445E3D58B04E}" presName="rootText" presStyleLbl="node3" presStyleIdx="0" presStyleCnt="5">
-        <dgm:presLayoutVars>
-          <dgm:chPref val="3"/>
-        </dgm:presLayoutVars>
-      </dgm:prSet>
-      <dgm:spPr/>
       <dgm:t>
         <a:bodyPr/>
         <a:lstStyle/>
@@ -4104,36 +4263,20 @@
         </a:p>
       </dgm:t>
     </dgm:pt>
-    <dgm:pt modelId="{83659FB2-8234-4C7B-B126-29CC4D9DD44A}" type="pres">
-      <dgm:prSet presAssocID="{DDE19CDC-F48E-4C9E-99E8-445E3D58B04E}" presName="rootConnector" presStyleLbl="node3" presStyleIdx="0" presStyleCnt="5"/>
-      <dgm:spPr/>
-    </dgm:pt>
-    <dgm:pt modelId="{7987BB89-B2C5-45D7-A426-DF5CED2D95BD}" type="pres">
-      <dgm:prSet presAssocID="{DDE19CDC-F48E-4C9E-99E8-445E3D58B04E}" presName="hierChild4" presStyleCnt="0"/>
-      <dgm:spPr/>
-    </dgm:pt>
-    <dgm:pt modelId="{AE50F4B0-BB7B-449A-A798-B1677024C12F}" type="pres">
-      <dgm:prSet presAssocID="{DDE19CDC-F48E-4C9E-99E8-445E3D58B04E}" presName="hierChild5" presStyleCnt="0"/>
-      <dgm:spPr/>
-    </dgm:pt>
-    <dgm:pt modelId="{9F06D346-7CCF-473E-8FF0-3BA95457AB84}" type="pres">
-      <dgm:prSet presAssocID="{BC132C75-E969-4E62-819C-266906F50054}" presName="Name37" presStyleLbl="parChTrans1D3" presStyleIdx="1" presStyleCnt="5"/>
-      <dgm:spPr/>
-    </dgm:pt>
-    <dgm:pt modelId="{C4F2C68C-6AB1-41E6-BC99-F7F81E82F5E9}" type="pres">
-      <dgm:prSet presAssocID="{82FE4ECB-9672-4073-9B36-8FE3FBF846D2}" presName="hierRoot2" presStyleCnt="0">
+    <dgm:pt modelId="{58D0ED19-0502-4CD8-899C-31FA64D85FB2}" type="pres">
+      <dgm:prSet presAssocID="{DB6D17EA-112F-48B0-9E98-22FADB108BCA}" presName="hierRoot1" presStyleCnt="0">
         <dgm:presLayoutVars>
           <dgm:hierBranch val="init"/>
         </dgm:presLayoutVars>
       </dgm:prSet>
       <dgm:spPr/>
     </dgm:pt>
-    <dgm:pt modelId="{0C09F4CF-9A66-4DDE-9846-C0475A93B716}" type="pres">
-      <dgm:prSet presAssocID="{82FE4ECB-9672-4073-9B36-8FE3FBF846D2}" presName="rootComposite" presStyleCnt="0"/>
-      <dgm:spPr/>
-    </dgm:pt>
-    <dgm:pt modelId="{25C62206-E2B3-48CC-AC74-B68E687D1736}" type="pres">
-      <dgm:prSet presAssocID="{82FE4ECB-9672-4073-9B36-8FE3FBF846D2}" presName="rootText" presStyleLbl="node3" presStyleIdx="1" presStyleCnt="5">
+    <dgm:pt modelId="{E2063E3B-7DBC-4CDE-BC9B-2113FDD35686}" type="pres">
+      <dgm:prSet presAssocID="{DB6D17EA-112F-48B0-9E98-22FADB108BCA}" presName="rootComposite1" presStyleCnt="0"/>
+      <dgm:spPr/>
+    </dgm:pt>
+    <dgm:pt modelId="{7FA03412-8585-4EFB-82EC-43214C59B41E}" type="pres">
+      <dgm:prSet presAssocID="{DB6D17EA-112F-48B0-9E98-22FADB108BCA}" presName="rootText1" presStyleLbl="node0" presStyleIdx="0" presStyleCnt="1">
         <dgm:presLayoutVars>
           <dgm:chPref val="3"/>
         </dgm:presLayoutVars>
@@ -4147,40 +4290,8 @@
         </a:p>
       </dgm:t>
     </dgm:pt>
-    <dgm:pt modelId="{B10551D3-A7A4-4ACF-A8F0-AA16AAE766CF}" type="pres">
-      <dgm:prSet presAssocID="{82FE4ECB-9672-4073-9B36-8FE3FBF846D2}" presName="rootConnector" presStyleLbl="node3" presStyleIdx="1" presStyleCnt="5"/>
-      <dgm:spPr/>
-    </dgm:pt>
-    <dgm:pt modelId="{C8B5A99F-BAA5-49D5-B4B9-3C1A75CD1DED}" type="pres">
-      <dgm:prSet presAssocID="{82FE4ECB-9672-4073-9B36-8FE3FBF846D2}" presName="hierChild4" presStyleCnt="0"/>
-      <dgm:spPr/>
-    </dgm:pt>
-    <dgm:pt modelId="{4FFBA998-50C7-4C61-A954-42686EC51D39}" type="pres">
-      <dgm:prSet presAssocID="{82FE4ECB-9672-4073-9B36-8FE3FBF846D2}" presName="hierChild5" presStyleCnt="0"/>
-      <dgm:spPr/>
-    </dgm:pt>
-    <dgm:pt modelId="{DBF45A36-3FB0-497D-AB4A-7F68809936D6}" type="pres">
-      <dgm:prSet presAssocID="{F49B26BC-C35E-4BD2-8D10-17CF600CDD0F}" presName="Name37" presStyleLbl="parChTrans1D3" presStyleIdx="2" presStyleCnt="5"/>
-      <dgm:spPr/>
-    </dgm:pt>
-    <dgm:pt modelId="{4DE5E654-ACD5-476C-9FF1-942165B3EC6C}" type="pres">
-      <dgm:prSet presAssocID="{E5A5C1CB-5933-40E4-9E9D-AB17FA25EB01}" presName="hierRoot2" presStyleCnt="0">
-        <dgm:presLayoutVars>
-          <dgm:hierBranch val="init"/>
-        </dgm:presLayoutVars>
-      </dgm:prSet>
-      <dgm:spPr/>
-    </dgm:pt>
-    <dgm:pt modelId="{401190FA-67C1-4C45-825A-1D31AF7264CB}" type="pres">
-      <dgm:prSet presAssocID="{E5A5C1CB-5933-40E4-9E9D-AB17FA25EB01}" presName="rootComposite" presStyleCnt="0"/>
-      <dgm:spPr/>
-    </dgm:pt>
-    <dgm:pt modelId="{4BB11209-FD74-42B4-9FA9-3D04BD3F18F6}" type="pres">
-      <dgm:prSet presAssocID="{E5A5C1CB-5933-40E4-9E9D-AB17FA25EB01}" presName="rootText" presStyleLbl="node3" presStyleIdx="2" presStyleCnt="5">
-        <dgm:presLayoutVars>
-          <dgm:chPref val="3"/>
-        </dgm:presLayoutVars>
-      </dgm:prSet>
+    <dgm:pt modelId="{0D074238-35F7-4F03-8D9D-099C36BFEE69}" type="pres">
+      <dgm:prSet presAssocID="{DB6D17EA-112F-48B0-9E98-22FADB108BCA}" presName="rootConnector1" presStyleLbl="node1" presStyleIdx="0" presStyleCnt="0"/>
       <dgm:spPr/>
       <dgm:t>
         <a:bodyPr/>
@@ -4190,40 +4301,12 @@
         </a:p>
       </dgm:t>
     </dgm:pt>
-    <dgm:pt modelId="{E58580CA-6C76-482D-BC34-398C8F590B8B}" type="pres">
-      <dgm:prSet presAssocID="{E5A5C1CB-5933-40E4-9E9D-AB17FA25EB01}" presName="rootConnector" presStyleLbl="node3" presStyleIdx="2" presStyleCnt="5"/>
-      <dgm:spPr/>
-    </dgm:pt>
-    <dgm:pt modelId="{7E8FD009-A43A-4AC2-95BA-3A4E9BA10301}" type="pres">
-      <dgm:prSet presAssocID="{E5A5C1CB-5933-40E4-9E9D-AB17FA25EB01}" presName="hierChild4" presStyleCnt="0"/>
-      <dgm:spPr/>
-    </dgm:pt>
-    <dgm:pt modelId="{F33DF387-F302-41CB-AA6E-36C480C32CFD}" type="pres">
-      <dgm:prSet presAssocID="{E5A5C1CB-5933-40E4-9E9D-AB17FA25EB01}" presName="hierChild5" presStyleCnt="0"/>
-      <dgm:spPr/>
-    </dgm:pt>
-    <dgm:pt modelId="{0C18155E-AF25-49A3-B067-645687391E40}" type="pres">
-      <dgm:prSet presAssocID="{504CD7BD-0860-45EA-BA0A-87F6E575CAFE}" presName="Name37" presStyleLbl="parChTrans1D3" presStyleIdx="3" presStyleCnt="5"/>
-      <dgm:spPr/>
-    </dgm:pt>
-    <dgm:pt modelId="{93BFD101-BCD7-453F-BB49-F9B59D79A790}" type="pres">
-      <dgm:prSet presAssocID="{4F1F8589-B58A-42E4-966E-619F53607AF2}" presName="hierRoot2" presStyleCnt="0">
-        <dgm:presLayoutVars>
-          <dgm:hierBranch val="init"/>
-        </dgm:presLayoutVars>
-      </dgm:prSet>
-      <dgm:spPr/>
-    </dgm:pt>
-    <dgm:pt modelId="{1ADFAFC7-CF9D-4B44-AC89-170F012BBF1C}" type="pres">
-      <dgm:prSet presAssocID="{4F1F8589-B58A-42E4-966E-619F53607AF2}" presName="rootComposite" presStyleCnt="0"/>
-      <dgm:spPr/>
-    </dgm:pt>
-    <dgm:pt modelId="{09C2C53A-BC59-43CF-A81C-AAD80BDF5D2B}" type="pres">
-      <dgm:prSet presAssocID="{4F1F8589-B58A-42E4-966E-619F53607AF2}" presName="rootText" presStyleLbl="node3" presStyleIdx="3" presStyleCnt="5">
-        <dgm:presLayoutVars>
-          <dgm:chPref val="3"/>
-        </dgm:presLayoutVars>
-      </dgm:prSet>
+    <dgm:pt modelId="{78E069FD-FBB3-41EB-92AF-3761E4D1FBA9}" type="pres">
+      <dgm:prSet presAssocID="{DB6D17EA-112F-48B0-9E98-22FADB108BCA}" presName="hierChild2" presStyleCnt="0"/>
+      <dgm:spPr/>
+    </dgm:pt>
+    <dgm:pt modelId="{CC956D28-58CE-4B65-A4CD-DAAD2775930A}" type="pres">
+      <dgm:prSet presAssocID="{E9E44B33-E690-4310-8888-79D7AE5464DB}" presName="Name37" presStyleLbl="parChTrans1D2" presStyleIdx="0" presStyleCnt="1"/>
       <dgm:spPr/>
       <dgm:t>
         <a:bodyPr/>
@@ -4233,36 +4316,20 @@
         </a:p>
       </dgm:t>
     </dgm:pt>
-    <dgm:pt modelId="{2355F9B6-138C-4E19-AFE2-E48BD277DF8B}" type="pres">
-      <dgm:prSet presAssocID="{4F1F8589-B58A-42E4-966E-619F53607AF2}" presName="rootConnector" presStyleLbl="node3" presStyleIdx="3" presStyleCnt="5"/>
-      <dgm:spPr/>
-    </dgm:pt>
-    <dgm:pt modelId="{FBB37F79-3139-42D6-B35C-13DC566803FD}" type="pres">
-      <dgm:prSet presAssocID="{4F1F8589-B58A-42E4-966E-619F53607AF2}" presName="hierChild4" presStyleCnt="0"/>
-      <dgm:spPr/>
-    </dgm:pt>
-    <dgm:pt modelId="{807BAEA1-D726-4A9C-85D6-FC8D3013F353}" type="pres">
-      <dgm:prSet presAssocID="{4F1F8589-B58A-42E4-966E-619F53607AF2}" presName="hierChild5" presStyleCnt="0"/>
-      <dgm:spPr/>
-    </dgm:pt>
-    <dgm:pt modelId="{EBCA15B8-CDF1-4D28-8437-8563D47A695A}" type="pres">
-      <dgm:prSet presAssocID="{B2F176A6-683A-4D21-A229-09B355E46A45}" presName="Name37" presStyleLbl="parChTrans1D3" presStyleIdx="4" presStyleCnt="5"/>
-      <dgm:spPr/>
-    </dgm:pt>
-    <dgm:pt modelId="{85D79F02-F02F-4EF7-A849-66CE0B22EFEE}" type="pres">
-      <dgm:prSet presAssocID="{B5578E58-00B7-4EC9-9974-A7BBA9C30038}" presName="hierRoot2" presStyleCnt="0">
+    <dgm:pt modelId="{123FC380-3E7D-46EB-9E1A-E9C3853085A5}" type="pres">
+      <dgm:prSet presAssocID="{4A62829C-4A42-4413-88F4-EB51D8883629}" presName="hierRoot2" presStyleCnt="0">
         <dgm:presLayoutVars>
           <dgm:hierBranch val="init"/>
         </dgm:presLayoutVars>
       </dgm:prSet>
       <dgm:spPr/>
     </dgm:pt>
-    <dgm:pt modelId="{F235AB8E-5764-425C-9ECD-8FBE92E907E6}" type="pres">
-      <dgm:prSet presAssocID="{B5578E58-00B7-4EC9-9974-A7BBA9C30038}" presName="rootComposite" presStyleCnt="0"/>
-      <dgm:spPr/>
-    </dgm:pt>
-    <dgm:pt modelId="{315A5778-9B8C-4EF6-B855-4D70B6E50000}" type="pres">
-      <dgm:prSet presAssocID="{B5578E58-00B7-4EC9-9974-A7BBA9C30038}" presName="rootText" presStyleLbl="node3" presStyleIdx="4" presStyleCnt="5">
+    <dgm:pt modelId="{93BC7FB1-D251-467F-B89F-4F94013FE4BE}" type="pres">
+      <dgm:prSet presAssocID="{4A62829C-4A42-4413-88F4-EB51D8883629}" presName="rootComposite" presStyleCnt="0"/>
+      <dgm:spPr/>
+    </dgm:pt>
+    <dgm:pt modelId="{D0F0FFA4-F036-48B7-9510-477E8B65A4C4}" type="pres">
+      <dgm:prSet presAssocID="{4A62829C-4A42-4413-88F4-EB51D8883629}" presName="rootText" presStyleLbl="node2" presStyleIdx="0" presStyleCnt="1">
         <dgm:presLayoutVars>
           <dgm:chPref val="3"/>
         </dgm:presLayoutVars>
@@ -4276,36 +4343,8 @@
         </a:p>
       </dgm:t>
     </dgm:pt>
-    <dgm:pt modelId="{9A4822B8-ECFF-4E15-97E3-36601854F30E}" type="pres">
-      <dgm:prSet presAssocID="{B5578E58-00B7-4EC9-9974-A7BBA9C30038}" presName="rootConnector" presStyleLbl="node3" presStyleIdx="4" presStyleCnt="5"/>
-      <dgm:spPr/>
-    </dgm:pt>
-    <dgm:pt modelId="{6C3AAFBA-BA20-444F-808C-2DD5E844C016}" type="pres">
-      <dgm:prSet presAssocID="{B5578E58-00B7-4EC9-9974-A7BBA9C30038}" presName="hierChild4" presStyleCnt="0"/>
-      <dgm:spPr/>
-    </dgm:pt>
-    <dgm:pt modelId="{91C6DC6A-D26A-43A2-98E8-06977D04CE85}" type="pres">
-      <dgm:prSet presAssocID="{5CE0B4FD-1B3A-431D-BAC5-6E0ECCB8F779}" presName="Name37" presStyleLbl="parChTrans1D4" presStyleIdx="0" presStyleCnt="2"/>
-      <dgm:spPr/>
-    </dgm:pt>
-    <dgm:pt modelId="{8E1D0426-9EC1-4A9B-A08D-2B32C6A31D22}" type="pres">
-      <dgm:prSet presAssocID="{E59BFC97-E968-467B-AD9C-17FFCDD09845}" presName="hierRoot2" presStyleCnt="0">
-        <dgm:presLayoutVars>
-          <dgm:hierBranch val="init"/>
-        </dgm:presLayoutVars>
-      </dgm:prSet>
-      <dgm:spPr/>
-    </dgm:pt>
-    <dgm:pt modelId="{042B0231-76DE-4962-891B-200AE3A4EFCE}" type="pres">
-      <dgm:prSet presAssocID="{E59BFC97-E968-467B-AD9C-17FFCDD09845}" presName="rootComposite" presStyleCnt="0"/>
-      <dgm:spPr/>
-    </dgm:pt>
-    <dgm:pt modelId="{B04E7DD2-EF30-4888-88D9-0E7704F28209}" type="pres">
-      <dgm:prSet presAssocID="{E59BFC97-E968-467B-AD9C-17FFCDD09845}" presName="rootText" presStyleLbl="node4" presStyleIdx="0" presStyleCnt="2">
-        <dgm:presLayoutVars>
-          <dgm:chPref val="3"/>
-        </dgm:presLayoutVars>
-      </dgm:prSet>
+    <dgm:pt modelId="{8B530096-A5FC-4D9A-BCA8-016462D744FE}" type="pres">
+      <dgm:prSet presAssocID="{4A62829C-4A42-4413-88F4-EB51D8883629}" presName="rootConnector" presStyleLbl="node2" presStyleIdx="0" presStyleCnt="1"/>
       <dgm:spPr/>
       <dgm:t>
         <a:bodyPr/>
@@ -4315,40 +4354,12 @@
         </a:p>
       </dgm:t>
     </dgm:pt>
-    <dgm:pt modelId="{3843B6C3-7CE6-4731-A51C-605F8846CC8D}" type="pres">
-      <dgm:prSet presAssocID="{E59BFC97-E968-467B-AD9C-17FFCDD09845}" presName="rootConnector" presStyleLbl="node4" presStyleIdx="0" presStyleCnt="2"/>
-      <dgm:spPr/>
-    </dgm:pt>
-    <dgm:pt modelId="{E76F8CEE-5B12-46AA-BC55-B2F87BB45EFE}" type="pres">
-      <dgm:prSet presAssocID="{E59BFC97-E968-467B-AD9C-17FFCDD09845}" presName="hierChild4" presStyleCnt="0"/>
-      <dgm:spPr/>
-    </dgm:pt>
-    <dgm:pt modelId="{5DD0A7B8-6FC1-4E9D-933F-4AC84767234D}" type="pres">
-      <dgm:prSet presAssocID="{E59BFC97-E968-467B-AD9C-17FFCDD09845}" presName="hierChild5" presStyleCnt="0"/>
-      <dgm:spPr/>
-    </dgm:pt>
-    <dgm:pt modelId="{AAE32E66-686B-48D8-B73F-ACF4F78CD0AD}" type="pres">
-      <dgm:prSet presAssocID="{2D473913-4A6E-4A1C-92B8-D2E65217B94E}" presName="Name37" presStyleLbl="parChTrans1D4" presStyleIdx="1" presStyleCnt="2"/>
-      <dgm:spPr/>
-    </dgm:pt>
-    <dgm:pt modelId="{EF61D454-6B5C-4B89-A367-C1109E3C43C5}" type="pres">
-      <dgm:prSet presAssocID="{34DC1DAE-EF8D-4895-8FF2-02203C08B5F8}" presName="hierRoot2" presStyleCnt="0">
-        <dgm:presLayoutVars>
-          <dgm:hierBranch val="init"/>
-        </dgm:presLayoutVars>
-      </dgm:prSet>
-      <dgm:spPr/>
-    </dgm:pt>
-    <dgm:pt modelId="{789F6AF0-7FED-4754-BBB4-B0B69FB89607}" type="pres">
-      <dgm:prSet presAssocID="{34DC1DAE-EF8D-4895-8FF2-02203C08B5F8}" presName="rootComposite" presStyleCnt="0"/>
-      <dgm:spPr/>
-    </dgm:pt>
-    <dgm:pt modelId="{90C5B128-8CFD-4928-B69D-A8A39C0E047F}" type="pres">
-      <dgm:prSet presAssocID="{34DC1DAE-EF8D-4895-8FF2-02203C08B5F8}" presName="rootText" presStyleLbl="node4" presStyleIdx="1" presStyleCnt="2">
-        <dgm:presLayoutVars>
-          <dgm:chPref val="3"/>
-        </dgm:presLayoutVars>
-      </dgm:prSet>
+    <dgm:pt modelId="{886ACBB4-FE93-4BE5-A373-7656ECC7877C}" type="pres">
+      <dgm:prSet presAssocID="{4A62829C-4A42-4413-88F4-EB51D8883629}" presName="hierChild4" presStyleCnt="0"/>
+      <dgm:spPr/>
+    </dgm:pt>
+    <dgm:pt modelId="{5AE030AB-ABC7-4F3A-BFF0-25708A17FF49}" type="pres">
+      <dgm:prSet presAssocID="{FA91CA24-389B-4D1C-85B4-B9394C87EF33}" presName="Name37" presStyleLbl="parChTrans1D3" presStyleIdx="0" presStyleCnt="5"/>
       <dgm:spPr/>
       <dgm:t>
         <a:bodyPr/>
@@ -4358,9 +4369,381 @@
         </a:p>
       </dgm:t>
     </dgm:pt>
+    <dgm:pt modelId="{B2ECAEC6-AF37-4712-9C01-C9CD47686834}" type="pres">
+      <dgm:prSet presAssocID="{DDE19CDC-F48E-4C9E-99E8-445E3D58B04E}" presName="hierRoot2" presStyleCnt="0">
+        <dgm:presLayoutVars>
+          <dgm:hierBranch val="init"/>
+        </dgm:presLayoutVars>
+      </dgm:prSet>
+      <dgm:spPr/>
+    </dgm:pt>
+    <dgm:pt modelId="{D61B8F6D-528B-4C3C-83BC-58AD9E20247D}" type="pres">
+      <dgm:prSet presAssocID="{DDE19CDC-F48E-4C9E-99E8-445E3D58B04E}" presName="rootComposite" presStyleCnt="0"/>
+      <dgm:spPr/>
+    </dgm:pt>
+    <dgm:pt modelId="{E7FA6110-9E05-48AD-8AF5-3C2521776451}" type="pres">
+      <dgm:prSet presAssocID="{DDE19CDC-F48E-4C9E-99E8-445E3D58B04E}" presName="rootText" presStyleLbl="node3" presStyleIdx="0" presStyleCnt="5">
+        <dgm:presLayoutVars>
+          <dgm:chPref val="3"/>
+        </dgm:presLayoutVars>
+      </dgm:prSet>
+      <dgm:spPr/>
+      <dgm:t>
+        <a:bodyPr/>
+        <a:lstStyle/>
+        <a:p>
+          <a:endParaRPr lang="pt-BR"/>
+        </a:p>
+      </dgm:t>
+    </dgm:pt>
+    <dgm:pt modelId="{83659FB2-8234-4C7B-B126-29CC4D9DD44A}" type="pres">
+      <dgm:prSet presAssocID="{DDE19CDC-F48E-4C9E-99E8-445E3D58B04E}" presName="rootConnector" presStyleLbl="node3" presStyleIdx="0" presStyleCnt="5"/>
+      <dgm:spPr/>
+      <dgm:t>
+        <a:bodyPr/>
+        <a:lstStyle/>
+        <a:p>
+          <a:endParaRPr lang="pt-BR"/>
+        </a:p>
+      </dgm:t>
+    </dgm:pt>
+    <dgm:pt modelId="{7987BB89-B2C5-45D7-A426-DF5CED2D95BD}" type="pres">
+      <dgm:prSet presAssocID="{DDE19CDC-F48E-4C9E-99E8-445E3D58B04E}" presName="hierChild4" presStyleCnt="0"/>
+      <dgm:spPr/>
+    </dgm:pt>
+    <dgm:pt modelId="{AE50F4B0-BB7B-449A-A798-B1677024C12F}" type="pres">
+      <dgm:prSet presAssocID="{DDE19CDC-F48E-4C9E-99E8-445E3D58B04E}" presName="hierChild5" presStyleCnt="0"/>
+      <dgm:spPr/>
+    </dgm:pt>
+    <dgm:pt modelId="{9F06D346-7CCF-473E-8FF0-3BA95457AB84}" type="pres">
+      <dgm:prSet presAssocID="{BC132C75-E969-4E62-819C-266906F50054}" presName="Name37" presStyleLbl="parChTrans1D3" presStyleIdx="1" presStyleCnt="5"/>
+      <dgm:spPr/>
+      <dgm:t>
+        <a:bodyPr/>
+        <a:lstStyle/>
+        <a:p>
+          <a:endParaRPr lang="pt-BR"/>
+        </a:p>
+      </dgm:t>
+    </dgm:pt>
+    <dgm:pt modelId="{C4F2C68C-6AB1-41E6-BC99-F7F81E82F5E9}" type="pres">
+      <dgm:prSet presAssocID="{82FE4ECB-9672-4073-9B36-8FE3FBF846D2}" presName="hierRoot2" presStyleCnt="0">
+        <dgm:presLayoutVars>
+          <dgm:hierBranch val="init"/>
+        </dgm:presLayoutVars>
+      </dgm:prSet>
+      <dgm:spPr/>
+    </dgm:pt>
+    <dgm:pt modelId="{0C09F4CF-9A66-4DDE-9846-C0475A93B716}" type="pres">
+      <dgm:prSet presAssocID="{82FE4ECB-9672-4073-9B36-8FE3FBF846D2}" presName="rootComposite" presStyleCnt="0"/>
+      <dgm:spPr/>
+    </dgm:pt>
+    <dgm:pt modelId="{25C62206-E2B3-48CC-AC74-B68E687D1736}" type="pres">
+      <dgm:prSet presAssocID="{82FE4ECB-9672-4073-9B36-8FE3FBF846D2}" presName="rootText" presStyleLbl="node3" presStyleIdx="1" presStyleCnt="5">
+        <dgm:presLayoutVars>
+          <dgm:chPref val="3"/>
+        </dgm:presLayoutVars>
+      </dgm:prSet>
+      <dgm:spPr/>
+      <dgm:t>
+        <a:bodyPr/>
+        <a:lstStyle/>
+        <a:p>
+          <a:endParaRPr lang="pt-BR"/>
+        </a:p>
+      </dgm:t>
+    </dgm:pt>
+    <dgm:pt modelId="{B10551D3-A7A4-4ACF-A8F0-AA16AAE766CF}" type="pres">
+      <dgm:prSet presAssocID="{82FE4ECB-9672-4073-9B36-8FE3FBF846D2}" presName="rootConnector" presStyleLbl="node3" presStyleIdx="1" presStyleCnt="5"/>
+      <dgm:spPr/>
+      <dgm:t>
+        <a:bodyPr/>
+        <a:lstStyle/>
+        <a:p>
+          <a:endParaRPr lang="pt-BR"/>
+        </a:p>
+      </dgm:t>
+    </dgm:pt>
+    <dgm:pt modelId="{C8B5A99F-BAA5-49D5-B4B9-3C1A75CD1DED}" type="pres">
+      <dgm:prSet presAssocID="{82FE4ECB-9672-4073-9B36-8FE3FBF846D2}" presName="hierChild4" presStyleCnt="0"/>
+      <dgm:spPr/>
+    </dgm:pt>
+    <dgm:pt modelId="{4FFBA998-50C7-4C61-A954-42686EC51D39}" type="pres">
+      <dgm:prSet presAssocID="{82FE4ECB-9672-4073-9B36-8FE3FBF846D2}" presName="hierChild5" presStyleCnt="0"/>
+      <dgm:spPr/>
+    </dgm:pt>
+    <dgm:pt modelId="{DBF45A36-3FB0-497D-AB4A-7F68809936D6}" type="pres">
+      <dgm:prSet presAssocID="{F49B26BC-C35E-4BD2-8D10-17CF600CDD0F}" presName="Name37" presStyleLbl="parChTrans1D3" presStyleIdx="2" presStyleCnt="5"/>
+      <dgm:spPr/>
+      <dgm:t>
+        <a:bodyPr/>
+        <a:lstStyle/>
+        <a:p>
+          <a:endParaRPr lang="pt-BR"/>
+        </a:p>
+      </dgm:t>
+    </dgm:pt>
+    <dgm:pt modelId="{4DE5E654-ACD5-476C-9FF1-942165B3EC6C}" type="pres">
+      <dgm:prSet presAssocID="{E5A5C1CB-5933-40E4-9E9D-AB17FA25EB01}" presName="hierRoot2" presStyleCnt="0">
+        <dgm:presLayoutVars>
+          <dgm:hierBranch val="init"/>
+        </dgm:presLayoutVars>
+      </dgm:prSet>
+      <dgm:spPr/>
+    </dgm:pt>
+    <dgm:pt modelId="{401190FA-67C1-4C45-825A-1D31AF7264CB}" type="pres">
+      <dgm:prSet presAssocID="{E5A5C1CB-5933-40E4-9E9D-AB17FA25EB01}" presName="rootComposite" presStyleCnt="0"/>
+      <dgm:spPr/>
+    </dgm:pt>
+    <dgm:pt modelId="{4BB11209-FD74-42B4-9FA9-3D04BD3F18F6}" type="pres">
+      <dgm:prSet presAssocID="{E5A5C1CB-5933-40E4-9E9D-AB17FA25EB01}" presName="rootText" presStyleLbl="node3" presStyleIdx="2" presStyleCnt="5">
+        <dgm:presLayoutVars>
+          <dgm:chPref val="3"/>
+        </dgm:presLayoutVars>
+      </dgm:prSet>
+      <dgm:spPr/>
+      <dgm:t>
+        <a:bodyPr/>
+        <a:lstStyle/>
+        <a:p>
+          <a:endParaRPr lang="pt-BR"/>
+        </a:p>
+      </dgm:t>
+    </dgm:pt>
+    <dgm:pt modelId="{E58580CA-6C76-482D-BC34-398C8F590B8B}" type="pres">
+      <dgm:prSet presAssocID="{E5A5C1CB-5933-40E4-9E9D-AB17FA25EB01}" presName="rootConnector" presStyleLbl="node3" presStyleIdx="2" presStyleCnt="5"/>
+      <dgm:spPr/>
+      <dgm:t>
+        <a:bodyPr/>
+        <a:lstStyle/>
+        <a:p>
+          <a:endParaRPr lang="pt-BR"/>
+        </a:p>
+      </dgm:t>
+    </dgm:pt>
+    <dgm:pt modelId="{7E8FD009-A43A-4AC2-95BA-3A4E9BA10301}" type="pres">
+      <dgm:prSet presAssocID="{E5A5C1CB-5933-40E4-9E9D-AB17FA25EB01}" presName="hierChild4" presStyleCnt="0"/>
+      <dgm:spPr/>
+    </dgm:pt>
+    <dgm:pt modelId="{F33DF387-F302-41CB-AA6E-36C480C32CFD}" type="pres">
+      <dgm:prSet presAssocID="{E5A5C1CB-5933-40E4-9E9D-AB17FA25EB01}" presName="hierChild5" presStyleCnt="0"/>
+      <dgm:spPr/>
+    </dgm:pt>
+    <dgm:pt modelId="{0C18155E-AF25-49A3-B067-645687391E40}" type="pres">
+      <dgm:prSet presAssocID="{504CD7BD-0860-45EA-BA0A-87F6E575CAFE}" presName="Name37" presStyleLbl="parChTrans1D3" presStyleIdx="3" presStyleCnt="5"/>
+      <dgm:spPr/>
+      <dgm:t>
+        <a:bodyPr/>
+        <a:lstStyle/>
+        <a:p>
+          <a:endParaRPr lang="pt-BR"/>
+        </a:p>
+      </dgm:t>
+    </dgm:pt>
+    <dgm:pt modelId="{93BFD101-BCD7-453F-BB49-F9B59D79A790}" type="pres">
+      <dgm:prSet presAssocID="{4F1F8589-B58A-42E4-966E-619F53607AF2}" presName="hierRoot2" presStyleCnt="0">
+        <dgm:presLayoutVars>
+          <dgm:hierBranch val="init"/>
+        </dgm:presLayoutVars>
+      </dgm:prSet>
+      <dgm:spPr/>
+    </dgm:pt>
+    <dgm:pt modelId="{1ADFAFC7-CF9D-4B44-AC89-170F012BBF1C}" type="pres">
+      <dgm:prSet presAssocID="{4F1F8589-B58A-42E4-966E-619F53607AF2}" presName="rootComposite" presStyleCnt="0"/>
+      <dgm:spPr/>
+    </dgm:pt>
+    <dgm:pt modelId="{09C2C53A-BC59-43CF-A81C-AAD80BDF5D2B}" type="pres">
+      <dgm:prSet presAssocID="{4F1F8589-B58A-42E4-966E-619F53607AF2}" presName="rootText" presStyleLbl="node3" presStyleIdx="3" presStyleCnt="5">
+        <dgm:presLayoutVars>
+          <dgm:chPref val="3"/>
+        </dgm:presLayoutVars>
+      </dgm:prSet>
+      <dgm:spPr/>
+      <dgm:t>
+        <a:bodyPr/>
+        <a:lstStyle/>
+        <a:p>
+          <a:endParaRPr lang="pt-BR"/>
+        </a:p>
+      </dgm:t>
+    </dgm:pt>
+    <dgm:pt modelId="{2355F9B6-138C-4E19-AFE2-E48BD277DF8B}" type="pres">
+      <dgm:prSet presAssocID="{4F1F8589-B58A-42E4-966E-619F53607AF2}" presName="rootConnector" presStyleLbl="node3" presStyleIdx="3" presStyleCnt="5"/>
+      <dgm:spPr/>
+      <dgm:t>
+        <a:bodyPr/>
+        <a:lstStyle/>
+        <a:p>
+          <a:endParaRPr lang="pt-BR"/>
+        </a:p>
+      </dgm:t>
+    </dgm:pt>
+    <dgm:pt modelId="{FBB37F79-3139-42D6-B35C-13DC566803FD}" type="pres">
+      <dgm:prSet presAssocID="{4F1F8589-B58A-42E4-966E-619F53607AF2}" presName="hierChild4" presStyleCnt="0"/>
+      <dgm:spPr/>
+    </dgm:pt>
+    <dgm:pt modelId="{807BAEA1-D726-4A9C-85D6-FC8D3013F353}" type="pres">
+      <dgm:prSet presAssocID="{4F1F8589-B58A-42E4-966E-619F53607AF2}" presName="hierChild5" presStyleCnt="0"/>
+      <dgm:spPr/>
+    </dgm:pt>
+    <dgm:pt modelId="{EBCA15B8-CDF1-4D28-8437-8563D47A695A}" type="pres">
+      <dgm:prSet presAssocID="{B2F176A6-683A-4D21-A229-09B355E46A45}" presName="Name37" presStyleLbl="parChTrans1D3" presStyleIdx="4" presStyleCnt="5"/>
+      <dgm:spPr/>
+      <dgm:t>
+        <a:bodyPr/>
+        <a:lstStyle/>
+        <a:p>
+          <a:endParaRPr lang="pt-BR"/>
+        </a:p>
+      </dgm:t>
+    </dgm:pt>
+    <dgm:pt modelId="{85D79F02-F02F-4EF7-A849-66CE0B22EFEE}" type="pres">
+      <dgm:prSet presAssocID="{B5578E58-00B7-4EC9-9974-A7BBA9C30038}" presName="hierRoot2" presStyleCnt="0">
+        <dgm:presLayoutVars>
+          <dgm:hierBranch val="init"/>
+        </dgm:presLayoutVars>
+      </dgm:prSet>
+      <dgm:spPr/>
+    </dgm:pt>
+    <dgm:pt modelId="{F235AB8E-5764-425C-9ECD-8FBE92E907E6}" type="pres">
+      <dgm:prSet presAssocID="{B5578E58-00B7-4EC9-9974-A7BBA9C30038}" presName="rootComposite" presStyleCnt="0"/>
+      <dgm:spPr/>
+    </dgm:pt>
+    <dgm:pt modelId="{315A5778-9B8C-4EF6-B855-4D70B6E50000}" type="pres">
+      <dgm:prSet presAssocID="{B5578E58-00B7-4EC9-9974-A7BBA9C30038}" presName="rootText" presStyleLbl="node3" presStyleIdx="4" presStyleCnt="5">
+        <dgm:presLayoutVars>
+          <dgm:chPref val="3"/>
+        </dgm:presLayoutVars>
+      </dgm:prSet>
+      <dgm:spPr/>
+      <dgm:t>
+        <a:bodyPr/>
+        <a:lstStyle/>
+        <a:p>
+          <a:endParaRPr lang="pt-BR"/>
+        </a:p>
+      </dgm:t>
+    </dgm:pt>
+    <dgm:pt modelId="{9A4822B8-ECFF-4E15-97E3-36601854F30E}" type="pres">
+      <dgm:prSet presAssocID="{B5578E58-00B7-4EC9-9974-A7BBA9C30038}" presName="rootConnector" presStyleLbl="node3" presStyleIdx="4" presStyleCnt="5"/>
+      <dgm:spPr/>
+      <dgm:t>
+        <a:bodyPr/>
+        <a:lstStyle/>
+        <a:p>
+          <a:endParaRPr lang="pt-BR"/>
+        </a:p>
+      </dgm:t>
+    </dgm:pt>
+    <dgm:pt modelId="{6C3AAFBA-BA20-444F-808C-2DD5E844C016}" type="pres">
+      <dgm:prSet presAssocID="{B5578E58-00B7-4EC9-9974-A7BBA9C30038}" presName="hierChild4" presStyleCnt="0"/>
+      <dgm:spPr/>
+    </dgm:pt>
+    <dgm:pt modelId="{91C6DC6A-D26A-43A2-98E8-06977D04CE85}" type="pres">
+      <dgm:prSet presAssocID="{5CE0B4FD-1B3A-431D-BAC5-6E0ECCB8F779}" presName="Name37" presStyleLbl="parChTrans1D4" presStyleIdx="0" presStyleCnt="2"/>
+      <dgm:spPr/>
+      <dgm:t>
+        <a:bodyPr/>
+        <a:lstStyle/>
+        <a:p>
+          <a:endParaRPr lang="pt-BR"/>
+        </a:p>
+      </dgm:t>
+    </dgm:pt>
+    <dgm:pt modelId="{8E1D0426-9EC1-4A9B-A08D-2B32C6A31D22}" type="pres">
+      <dgm:prSet presAssocID="{E59BFC97-E968-467B-AD9C-17FFCDD09845}" presName="hierRoot2" presStyleCnt="0">
+        <dgm:presLayoutVars>
+          <dgm:hierBranch val="init"/>
+        </dgm:presLayoutVars>
+      </dgm:prSet>
+      <dgm:spPr/>
+    </dgm:pt>
+    <dgm:pt modelId="{042B0231-76DE-4962-891B-200AE3A4EFCE}" type="pres">
+      <dgm:prSet presAssocID="{E59BFC97-E968-467B-AD9C-17FFCDD09845}" presName="rootComposite" presStyleCnt="0"/>
+      <dgm:spPr/>
+    </dgm:pt>
+    <dgm:pt modelId="{B04E7DD2-EF30-4888-88D9-0E7704F28209}" type="pres">
+      <dgm:prSet presAssocID="{E59BFC97-E968-467B-AD9C-17FFCDD09845}" presName="rootText" presStyleLbl="node4" presStyleIdx="0" presStyleCnt="2">
+        <dgm:presLayoutVars>
+          <dgm:chPref val="3"/>
+        </dgm:presLayoutVars>
+      </dgm:prSet>
+      <dgm:spPr/>
+      <dgm:t>
+        <a:bodyPr/>
+        <a:lstStyle/>
+        <a:p>
+          <a:endParaRPr lang="pt-BR"/>
+        </a:p>
+      </dgm:t>
+    </dgm:pt>
+    <dgm:pt modelId="{3843B6C3-7CE6-4731-A51C-605F8846CC8D}" type="pres">
+      <dgm:prSet presAssocID="{E59BFC97-E968-467B-AD9C-17FFCDD09845}" presName="rootConnector" presStyleLbl="node4" presStyleIdx="0" presStyleCnt="2"/>
+      <dgm:spPr/>
+      <dgm:t>
+        <a:bodyPr/>
+        <a:lstStyle/>
+        <a:p>
+          <a:endParaRPr lang="pt-BR"/>
+        </a:p>
+      </dgm:t>
+    </dgm:pt>
+    <dgm:pt modelId="{E76F8CEE-5B12-46AA-BC55-B2F87BB45EFE}" type="pres">
+      <dgm:prSet presAssocID="{E59BFC97-E968-467B-AD9C-17FFCDD09845}" presName="hierChild4" presStyleCnt="0"/>
+      <dgm:spPr/>
+    </dgm:pt>
+    <dgm:pt modelId="{5DD0A7B8-6FC1-4E9D-933F-4AC84767234D}" type="pres">
+      <dgm:prSet presAssocID="{E59BFC97-E968-467B-AD9C-17FFCDD09845}" presName="hierChild5" presStyleCnt="0"/>
+      <dgm:spPr/>
+    </dgm:pt>
+    <dgm:pt modelId="{AAE32E66-686B-48D8-B73F-ACF4F78CD0AD}" type="pres">
+      <dgm:prSet presAssocID="{2D473913-4A6E-4A1C-92B8-D2E65217B94E}" presName="Name37" presStyleLbl="parChTrans1D4" presStyleIdx="1" presStyleCnt="2"/>
+      <dgm:spPr/>
+      <dgm:t>
+        <a:bodyPr/>
+        <a:lstStyle/>
+        <a:p>
+          <a:endParaRPr lang="pt-BR"/>
+        </a:p>
+      </dgm:t>
+    </dgm:pt>
+    <dgm:pt modelId="{EF61D454-6B5C-4B89-A367-C1109E3C43C5}" type="pres">
+      <dgm:prSet presAssocID="{34DC1DAE-EF8D-4895-8FF2-02203C08B5F8}" presName="hierRoot2" presStyleCnt="0">
+        <dgm:presLayoutVars>
+          <dgm:hierBranch val="init"/>
+        </dgm:presLayoutVars>
+      </dgm:prSet>
+      <dgm:spPr/>
+    </dgm:pt>
+    <dgm:pt modelId="{789F6AF0-7FED-4754-BBB4-B0B69FB89607}" type="pres">
+      <dgm:prSet presAssocID="{34DC1DAE-EF8D-4895-8FF2-02203C08B5F8}" presName="rootComposite" presStyleCnt="0"/>
+      <dgm:spPr/>
+    </dgm:pt>
+    <dgm:pt modelId="{90C5B128-8CFD-4928-B69D-A8A39C0E047F}" type="pres">
+      <dgm:prSet presAssocID="{34DC1DAE-EF8D-4895-8FF2-02203C08B5F8}" presName="rootText" presStyleLbl="node4" presStyleIdx="1" presStyleCnt="2">
+        <dgm:presLayoutVars>
+          <dgm:chPref val="3"/>
+        </dgm:presLayoutVars>
+      </dgm:prSet>
+      <dgm:spPr/>
+      <dgm:t>
+        <a:bodyPr/>
+        <a:lstStyle/>
+        <a:p>
+          <a:endParaRPr lang="pt-BR"/>
+        </a:p>
+      </dgm:t>
+    </dgm:pt>
     <dgm:pt modelId="{4F9E3D48-CB97-4464-A65C-32B994A9260A}" type="pres">
       <dgm:prSet presAssocID="{34DC1DAE-EF8D-4895-8FF2-02203C08B5F8}" presName="rootConnector" presStyleLbl="node4" presStyleIdx="1" presStyleCnt="2"/>
       <dgm:spPr/>
+      <dgm:t>
+        <a:bodyPr/>
+        <a:lstStyle/>
+        <a:p>
+          <a:endParaRPr lang="pt-BR"/>
+        </a:p>
+      </dgm:t>
     </dgm:pt>
     <dgm:pt modelId="{E4DA030E-D679-4A2E-A3A6-7547EC750434}" type="pres">
       <dgm:prSet presAssocID="{34DC1DAE-EF8D-4895-8FF2-02203C08B5F8}" presName="hierChild4" presStyleCnt="0"/>
@@ -4384,10 +4767,10 @@
     </dgm:pt>
   </dgm:ptLst>
   <dgm:cxnLst>
+    <dgm:cxn modelId="{F23541EC-827A-4B15-947C-B355F6E19F49}" type="presOf" srcId="{82FE4ECB-9672-4073-9B36-8FE3FBF846D2}" destId="{25C62206-E2B3-48CC-AC74-B68E687D1736}" srcOrd="0" destOrd="0" presId="urn:microsoft.com/office/officeart/2005/8/layout/orgChart1"/>
     <dgm:cxn modelId="{3110C017-DA74-4339-961A-006220BF9CA5}" type="presOf" srcId="{34DC1DAE-EF8D-4895-8FF2-02203C08B5F8}" destId="{4F9E3D48-CB97-4464-A65C-32B994A9260A}" srcOrd="1" destOrd="0" presId="urn:microsoft.com/office/officeart/2005/8/layout/orgChart1"/>
-    <dgm:cxn modelId="{F23541EC-827A-4B15-947C-B355F6E19F49}" type="presOf" srcId="{82FE4ECB-9672-4073-9B36-8FE3FBF846D2}" destId="{25C62206-E2B3-48CC-AC74-B68E687D1736}" srcOrd="0" destOrd="0" presId="urn:microsoft.com/office/officeart/2005/8/layout/orgChart1"/>
+    <dgm:cxn modelId="{4287721E-AAAD-44ED-BD57-C14E749A8766}" type="presOf" srcId="{E59BFC97-E968-467B-AD9C-17FFCDD09845}" destId="{3843B6C3-7CE6-4731-A51C-605F8846CC8D}" srcOrd="1" destOrd="0" presId="urn:microsoft.com/office/officeart/2005/8/layout/orgChart1"/>
     <dgm:cxn modelId="{4726D1DE-3A19-4015-BC59-5D54E41B17F3}" type="presOf" srcId="{82FE4ECB-9672-4073-9B36-8FE3FBF846D2}" destId="{B10551D3-A7A4-4ACF-A8F0-AA16AAE766CF}" srcOrd="1" destOrd="0" presId="urn:microsoft.com/office/officeart/2005/8/layout/orgChart1"/>
-    <dgm:cxn modelId="{4287721E-AAAD-44ED-BD57-C14E749A8766}" type="presOf" srcId="{E59BFC97-E968-467B-AD9C-17FFCDD09845}" destId="{3843B6C3-7CE6-4731-A51C-605F8846CC8D}" srcOrd="1" destOrd="0" presId="urn:microsoft.com/office/officeart/2005/8/layout/orgChart1"/>
     <dgm:cxn modelId="{2C94CB74-BEE9-4269-A96F-E3579D5014DA}" type="presOf" srcId="{DB6D17EA-112F-48B0-9E98-22FADB108BCA}" destId="{0D074238-35F7-4F03-8D9D-099C36BFEE69}" srcOrd="1" destOrd="0" presId="urn:microsoft.com/office/officeart/2005/8/layout/orgChart1"/>
     <dgm:cxn modelId="{6A8825B3-3D36-4429-9CA5-BC3A5E560D73}" srcId="{DB6D17EA-112F-48B0-9E98-22FADB108BCA}" destId="{4A62829C-4A42-4413-88F4-EB51D8883629}" srcOrd="0" destOrd="0" parTransId="{E9E44B33-E690-4310-8888-79D7AE5464DB}" sibTransId="{833F631B-EE68-4368-BFA4-911CA1182136}"/>
     <dgm:cxn modelId="{E9A33186-5FDA-41DE-A1D4-CD2D47E4E63C}" type="presOf" srcId="{E5A5C1CB-5933-40E4-9E9D-AB17FA25EB01}" destId="{4BB11209-FD74-42B4-9FA9-3D04BD3F18F6}" srcOrd="0" destOrd="0" presId="urn:microsoft.com/office/officeart/2005/8/layout/orgChart1"/>
@@ -17035,6 +17418,70 @@
           </a:graphicData>
         </a:graphic>
       </p:graphicFrame>
+      <p:sp>
+        <p:nvSpPr>
+          <p:cNvPr id="3" name="CaixaDeTexto 2"/>
+          <p:cNvSpPr txBox="1"/>
+          <p:nvPr/>
+        </p:nvSpPr>
+        <p:spPr>
+          <a:xfrm>
+            <a:off x="8967355" y="4935682"/>
+            <a:ext cx="2462645" cy="1200329"/>
+          </a:xfrm>
+          <a:prstGeom prst="rect">
+            <a:avLst/>
+          </a:prstGeom>
+          <a:noFill/>
+        </p:spPr>
+        <p:txBody>
+          <a:bodyPr wrap="square" rtlCol="0">
+            <a:spAutoFit/>
+          </a:bodyPr>
+          <a:lstStyle/>
+          <a:p>
+            <a:pPr marL="285750" indent="-285750">
+              <a:buFont typeface="Arial" panose="020B0604020202020204" pitchFamily="34" charset="0"/>
+              <a:buChar char="•"/>
+            </a:pPr>
+            <a:r>
+              <a:rPr lang="pt-BR" dirty="0" smtClean="0"/>
+              <a:t>Alex</a:t>
+            </a:r>
+          </a:p>
+          <a:p>
+            <a:pPr marL="285750" indent="-285750">
+              <a:buFont typeface="Arial" panose="020B0604020202020204" pitchFamily="34" charset="0"/>
+              <a:buChar char="•"/>
+            </a:pPr>
+            <a:r>
+              <a:rPr lang="pt-BR" dirty="0" smtClean="0"/>
+              <a:t>Michel</a:t>
+            </a:r>
+          </a:p>
+          <a:p>
+            <a:pPr marL="285750" indent="-285750">
+              <a:buFont typeface="Arial" panose="020B0604020202020204" pitchFamily="34" charset="0"/>
+              <a:buChar char="•"/>
+            </a:pPr>
+            <a:r>
+              <a:rPr lang="pt-BR" dirty="0" smtClean="0"/>
+              <a:t>Wendel</a:t>
+            </a:r>
+          </a:p>
+          <a:p>
+            <a:pPr marL="285750" indent="-285750">
+              <a:buFont typeface="Arial" panose="020B0604020202020204" pitchFamily="34" charset="0"/>
+              <a:buChar char="•"/>
+            </a:pPr>
+            <a:r>
+              <a:rPr lang="pt-BR" dirty="0" smtClean="0"/>
+              <a:t>Matheus</a:t>
+            </a:r>
+            <a:endParaRPr lang="pt-BR" dirty="0"/>
+          </a:p>
+        </p:txBody>
+      </p:sp>
     </p:spTree>
     <p:extLst>
       <p:ext uri="{BB962C8B-B14F-4D97-AF65-F5344CB8AC3E}">
@@ -17113,6 +17560,70 @@
           </a:graphicData>
         </a:graphic>
       </p:graphicFrame>
+      <p:sp>
+        <p:nvSpPr>
+          <p:cNvPr id="3" name="CaixaDeTexto 2"/>
+          <p:cNvSpPr txBox="1"/>
+          <p:nvPr/>
+        </p:nvSpPr>
+        <p:spPr>
+          <a:xfrm>
+            <a:off x="9445336" y="4031673"/>
+            <a:ext cx="2317173" cy="1200329"/>
+          </a:xfrm>
+          <a:prstGeom prst="rect">
+            <a:avLst/>
+          </a:prstGeom>
+          <a:noFill/>
+        </p:spPr>
+        <p:txBody>
+          <a:bodyPr wrap="square" rtlCol="0">
+            <a:spAutoFit/>
+          </a:bodyPr>
+          <a:lstStyle/>
+          <a:p>
+            <a:pPr marL="285750" indent="-285750">
+              <a:buFont typeface="Arial" panose="020B0604020202020204" pitchFamily="34" charset="0"/>
+              <a:buChar char="•"/>
+            </a:pPr>
+            <a:r>
+              <a:rPr lang="pt-BR" dirty="0" smtClean="0"/>
+              <a:t>Daniel</a:t>
+            </a:r>
+          </a:p>
+          <a:p>
+            <a:pPr marL="285750" indent="-285750">
+              <a:buFont typeface="Arial" panose="020B0604020202020204" pitchFamily="34" charset="0"/>
+              <a:buChar char="•"/>
+            </a:pPr>
+            <a:r>
+              <a:rPr lang="pt-BR" dirty="0" smtClean="0"/>
+              <a:t>Rodolfo</a:t>
+            </a:r>
+          </a:p>
+          <a:p>
+            <a:pPr marL="285750" indent="-285750">
+              <a:buFont typeface="Arial" panose="020B0604020202020204" pitchFamily="34" charset="0"/>
+              <a:buChar char="•"/>
+            </a:pPr>
+            <a:r>
+              <a:rPr lang="pt-BR" dirty="0" smtClean="0"/>
+              <a:t>Fabio</a:t>
+            </a:r>
+          </a:p>
+          <a:p>
+            <a:pPr marL="285750" indent="-285750">
+              <a:buFont typeface="Arial" panose="020B0604020202020204" pitchFamily="34" charset="0"/>
+              <a:buChar char="•"/>
+            </a:pPr>
+            <a:r>
+              <a:rPr lang="pt-BR" dirty="0" smtClean="0"/>
+              <a:t>Leonardo</a:t>
+            </a:r>
+            <a:endParaRPr lang="pt-BR" dirty="0"/>
+          </a:p>
+        </p:txBody>
+      </p:sp>
     </p:spTree>
     <p:extLst>
       <p:ext uri="{BB962C8B-B14F-4D97-AF65-F5344CB8AC3E}">
@@ -17191,6 +17702,81 @@
           </a:graphicData>
         </a:graphic>
       </p:graphicFrame>
+      <p:sp>
+        <p:nvSpPr>
+          <p:cNvPr id="3" name="CaixaDeTexto 2"/>
+          <p:cNvSpPr txBox="1"/>
+          <p:nvPr/>
+        </p:nvSpPr>
+        <p:spPr>
+          <a:xfrm>
+            <a:off x="426027" y="4987636"/>
+            <a:ext cx="2098964" cy="1477328"/>
+          </a:xfrm>
+          <a:prstGeom prst="rect">
+            <a:avLst/>
+          </a:prstGeom>
+          <a:noFill/>
+        </p:spPr>
+        <p:txBody>
+          <a:bodyPr wrap="square" rtlCol="0">
+            <a:spAutoFit/>
+          </a:bodyPr>
+          <a:lstStyle/>
+          <a:p>
+            <a:pPr marL="285750" indent="-285750">
+              <a:buFont typeface="Arial" panose="020B0604020202020204" pitchFamily="34" charset="0"/>
+              <a:buChar char="•"/>
+            </a:pPr>
+            <a:r>
+              <a:rPr lang="pt-BR" dirty="0" smtClean="0"/>
+              <a:t>Vladmir</a:t>
+            </a:r>
+          </a:p>
+          <a:p>
+            <a:pPr marL="285750" indent="-285750">
+              <a:buFont typeface="Arial" panose="020B0604020202020204" pitchFamily="34" charset="0"/>
+              <a:buChar char="•"/>
+            </a:pPr>
+            <a:r>
+              <a:rPr lang="pt-BR" dirty="0" smtClean="0"/>
+              <a:t>Nilson</a:t>
+            </a:r>
+          </a:p>
+          <a:p>
+            <a:pPr marL="285750" indent="-285750">
+              <a:buFont typeface="Arial" panose="020B0604020202020204" pitchFamily="34" charset="0"/>
+              <a:buChar char="•"/>
+            </a:pPr>
+            <a:r>
+              <a:rPr lang="pt-BR" dirty="0" err="1" smtClean="0"/>
+              <a:t>Geovana</a:t>
+            </a:r>
+            <a:endParaRPr lang="pt-BR" dirty="0"/>
+          </a:p>
+          <a:p>
+            <a:pPr marL="285750" indent="-285750">
+              <a:buFont typeface="Arial" panose="020B0604020202020204" pitchFamily="34" charset="0"/>
+              <a:buChar char="•"/>
+            </a:pPr>
+            <a:r>
+              <a:rPr lang="pt-BR" dirty="0"/>
+              <a:t>Breno</a:t>
+            </a:r>
+          </a:p>
+          <a:p>
+            <a:pPr marL="285750" indent="-285750">
+              <a:buFont typeface="Arial" panose="020B0604020202020204" pitchFamily="34" charset="0"/>
+              <a:buChar char="•"/>
+            </a:pPr>
+            <a:r>
+              <a:rPr lang="pt-BR" dirty="0" smtClean="0"/>
+              <a:t>Felipe</a:t>
+            </a:r>
+            <a:endParaRPr lang="pt-BR" dirty="0"/>
+          </a:p>
+        </p:txBody>
+      </p:sp>
     </p:spTree>
     <p:extLst>
       <p:ext uri="{BB962C8B-B14F-4D97-AF65-F5344CB8AC3E}">
